--- a/Panoramic Image Stitching.pptx
+++ b/Panoramic Image Stitching.pptx
@@ -5,7 +5,7 @@
     <p:sldMasterId id="2147483648" r:id="rId1"/>
   </p:sldMasterIdLst>
   <p:notesMasterIdLst>
-    <p:notesMasterId r:id="rId19"/>
+    <p:notesMasterId r:id="rId25"/>
   </p:notesMasterIdLst>
   <p:sldIdLst>
     <p:sldId id="256" r:id="rId2"/>
@@ -13,18 +13,24 @@
     <p:sldId id="258" r:id="rId4"/>
     <p:sldId id="259" r:id="rId5"/>
     <p:sldId id="260" r:id="rId6"/>
-    <p:sldId id="261" r:id="rId7"/>
-    <p:sldId id="262" r:id="rId8"/>
-    <p:sldId id="263" r:id="rId9"/>
-    <p:sldId id="264" r:id="rId10"/>
-    <p:sldId id="265" r:id="rId11"/>
-    <p:sldId id="266" r:id="rId12"/>
-    <p:sldId id="267" r:id="rId13"/>
-    <p:sldId id="268" r:id="rId14"/>
-    <p:sldId id="269" r:id="rId15"/>
-    <p:sldId id="270" r:id="rId16"/>
-    <p:sldId id="271" r:id="rId17"/>
-    <p:sldId id="272" r:id="rId18"/>
+    <p:sldId id="275" r:id="rId7"/>
+    <p:sldId id="276" r:id="rId8"/>
+    <p:sldId id="261" r:id="rId9"/>
+    <p:sldId id="277" r:id="rId10"/>
+    <p:sldId id="278" r:id="rId11"/>
+    <p:sldId id="262" r:id="rId12"/>
+    <p:sldId id="274" r:id="rId13"/>
+    <p:sldId id="263" r:id="rId14"/>
+    <p:sldId id="273" r:id="rId15"/>
+    <p:sldId id="264" r:id="rId16"/>
+    <p:sldId id="265" r:id="rId17"/>
+    <p:sldId id="266" r:id="rId18"/>
+    <p:sldId id="267" r:id="rId19"/>
+    <p:sldId id="268" r:id="rId20"/>
+    <p:sldId id="269" r:id="rId21"/>
+    <p:sldId id="270" r:id="rId22"/>
+    <p:sldId id="271" r:id="rId23"/>
+    <p:sldId id="272" r:id="rId24"/>
   </p:sldIdLst>
   <p:sldSz cx="9144000" cy="5143500" type="screen16x9"/>
   <p:notesSz cx="5143500" cy="9144000"/>
@@ -342,7 +348,13 @@
   <p:cSld>
     <p:spTree>
       <p:nvGrpSpPr>
-        <p:cNvPr id="1" name=""/>
+        <p:cNvPr id="1" name="">
+          <a:extLst>
+            <a:ext uri="{FF2B5EF4-FFF2-40B4-BE49-F238E27FC236}">
+              <a16:creationId xmlns:a16="http://schemas.microsoft.com/office/drawing/2014/main" id="{FCD14BE4-5EFE-EFBC-98F0-8B30CB163CA1}"/>
+            </a:ext>
+          </a:extLst>
+        </p:cNvPr>
         <p:cNvGrpSpPr/>
         <p:nvPr/>
       </p:nvGrpSpPr>
@@ -356,7 +368,13 @@
       </p:grpSpPr>
       <p:sp>
         <p:nvSpPr>
-          <p:cNvPr id="2" name="Slide Image Placeholder 1"/>
+          <p:cNvPr id="2" name="Slide Image Placeholder 1">
+            <a:extLst>
+              <a:ext uri="{FF2B5EF4-FFF2-40B4-BE49-F238E27FC236}">
+                <a16:creationId xmlns:a16="http://schemas.microsoft.com/office/drawing/2014/main" id="{794F8418-BF13-4E1B-A562-95758B59D0BC}"/>
+              </a:ext>
+            </a:extLst>
+          </p:cNvPr>
           <p:cNvSpPr>
             <a:spLocks noGrp="1" noRot="1" noChangeAspect="1"/>
           </p:cNvSpPr>
@@ -368,7 +386,13 @@
       </p:sp>
       <p:sp>
         <p:nvSpPr>
-          <p:cNvPr id="3" name="Notes Placeholder 2"/>
+          <p:cNvPr id="3" name="Notes Placeholder 2">
+            <a:extLst>
+              <a:ext uri="{FF2B5EF4-FFF2-40B4-BE49-F238E27FC236}">
+                <a16:creationId xmlns:a16="http://schemas.microsoft.com/office/drawing/2014/main" id="{42DDD076-5834-B467-A56C-90EEA333CE78}"/>
+              </a:ext>
+            </a:extLst>
+          </p:cNvPr>
           <p:cNvSpPr>
             <a:spLocks noGrp="1"/>
           </p:cNvSpPr>
@@ -387,7 +411,13 @@
       </p:sp>
       <p:sp>
         <p:nvSpPr>
-          <p:cNvPr id="4" name="Slide Number Placeholder 3"/>
+          <p:cNvPr id="4" name="Slide Number Placeholder 3">
+            <a:extLst>
+              <a:ext uri="{FF2B5EF4-FFF2-40B4-BE49-F238E27FC236}">
+                <a16:creationId xmlns:a16="http://schemas.microsoft.com/office/drawing/2014/main" id="{A1D8D6D8-143F-17E5-252F-764A3EB3A29A}"/>
+              </a:ext>
+            </a:extLst>
+          </p:cNvPr>
           <p:cNvSpPr>
             <a:spLocks noGrp="1"/>
           </p:cNvSpPr>
@@ -411,7 +441,7 @@
     </p:spTree>
     <p:extLst>
       <p:ext uri="{BB962C8B-B14F-4D97-AF65-F5344CB8AC3E}">
-        <p14:creationId xmlns:p14="http://schemas.microsoft.com/office/powerpoint/2010/main" val="1024086991"/>
+        <p14:creationId xmlns:p14="http://schemas.microsoft.com/office/powerpoint/2010/main" val="1390537971"/>
       </p:ext>
     </p:extLst>
   </p:cSld>
@@ -510,7 +540,13 @@
   <p:cSld>
     <p:spTree>
       <p:nvGrpSpPr>
-        <p:cNvPr id="1" name=""/>
+        <p:cNvPr id="1" name="">
+          <a:extLst>
+            <a:ext uri="{FF2B5EF4-FFF2-40B4-BE49-F238E27FC236}">
+              <a16:creationId xmlns:a16="http://schemas.microsoft.com/office/drawing/2014/main" id="{D04C2A0B-877F-2A46-C808-E27439C2DDB8}"/>
+            </a:ext>
+          </a:extLst>
+        </p:cNvPr>
         <p:cNvGrpSpPr/>
         <p:nvPr/>
       </p:nvGrpSpPr>
@@ -524,7 +560,13 @@
       </p:grpSpPr>
       <p:sp>
         <p:nvSpPr>
-          <p:cNvPr id="2" name="Slide Image Placeholder 1"/>
+          <p:cNvPr id="2" name="Slide Image Placeholder 1">
+            <a:extLst>
+              <a:ext uri="{FF2B5EF4-FFF2-40B4-BE49-F238E27FC236}">
+                <a16:creationId xmlns:a16="http://schemas.microsoft.com/office/drawing/2014/main" id="{00B586F0-8CB9-61B0-A0FB-27D67538AB8A}"/>
+              </a:ext>
+            </a:extLst>
+          </p:cNvPr>
           <p:cNvSpPr>
             <a:spLocks noGrp="1" noRot="1" noChangeAspect="1"/>
           </p:cNvSpPr>
@@ -536,7 +578,13 @@
       </p:sp>
       <p:sp>
         <p:nvSpPr>
-          <p:cNvPr id="3" name="Notes Placeholder 2"/>
+          <p:cNvPr id="3" name="Notes Placeholder 2">
+            <a:extLst>
+              <a:ext uri="{FF2B5EF4-FFF2-40B4-BE49-F238E27FC236}">
+                <a16:creationId xmlns:a16="http://schemas.microsoft.com/office/drawing/2014/main" id="{4228F44F-A572-092F-C6F9-EF5109C47B7D}"/>
+              </a:ext>
+            </a:extLst>
+          </p:cNvPr>
           <p:cNvSpPr>
             <a:spLocks noGrp="1"/>
           </p:cNvSpPr>
@@ -555,7 +603,13 @@
       </p:sp>
       <p:sp>
         <p:nvSpPr>
-          <p:cNvPr id="4" name="Slide Number Placeholder 3"/>
+          <p:cNvPr id="4" name="Slide Number Placeholder 3">
+            <a:extLst>
+              <a:ext uri="{FF2B5EF4-FFF2-40B4-BE49-F238E27FC236}">
+                <a16:creationId xmlns:a16="http://schemas.microsoft.com/office/drawing/2014/main" id="{A5A2930C-91D8-CF3A-01AC-90C47B00CADE}"/>
+              </a:ext>
+            </a:extLst>
+          </p:cNvPr>
           <p:cNvSpPr>
             <a:spLocks noGrp="1"/>
           </p:cNvSpPr>
@@ -579,7 +633,7 @@
     </p:spTree>
     <p:extLst>
       <p:ext uri="{BB962C8B-B14F-4D97-AF65-F5344CB8AC3E}">
-        <p14:creationId xmlns:p14="http://schemas.microsoft.com/office/powerpoint/2010/main" val="1024086991"/>
+        <p14:creationId xmlns:p14="http://schemas.microsoft.com/office/powerpoint/2010/main" val="2482577656"/>
       </p:ext>
     </p:extLst>
   </p:cSld>
@@ -678,7 +732,13 @@
   <p:cSld>
     <p:spTree>
       <p:nvGrpSpPr>
-        <p:cNvPr id="1" name=""/>
+        <p:cNvPr id="1" name="">
+          <a:extLst>
+            <a:ext uri="{FF2B5EF4-FFF2-40B4-BE49-F238E27FC236}">
+              <a16:creationId xmlns:a16="http://schemas.microsoft.com/office/drawing/2014/main" id="{6DE3F2EF-4BA4-C2CF-68AA-CA711869AD6F}"/>
+            </a:ext>
+          </a:extLst>
+        </p:cNvPr>
         <p:cNvGrpSpPr/>
         <p:nvPr/>
       </p:nvGrpSpPr>
@@ -692,7 +752,13 @@
       </p:grpSpPr>
       <p:sp>
         <p:nvSpPr>
-          <p:cNvPr id="2" name="Slide Image Placeholder 1"/>
+          <p:cNvPr id="2" name="Slide Image Placeholder 1">
+            <a:extLst>
+              <a:ext uri="{FF2B5EF4-FFF2-40B4-BE49-F238E27FC236}">
+                <a16:creationId xmlns:a16="http://schemas.microsoft.com/office/drawing/2014/main" id="{67A0B60E-8764-FE15-371D-5711B19B91A2}"/>
+              </a:ext>
+            </a:extLst>
+          </p:cNvPr>
           <p:cNvSpPr>
             <a:spLocks noGrp="1" noRot="1" noChangeAspect="1"/>
           </p:cNvSpPr>
@@ -704,7 +770,13 @@
       </p:sp>
       <p:sp>
         <p:nvSpPr>
-          <p:cNvPr id="3" name="Notes Placeholder 2"/>
+          <p:cNvPr id="3" name="Notes Placeholder 2">
+            <a:extLst>
+              <a:ext uri="{FF2B5EF4-FFF2-40B4-BE49-F238E27FC236}">
+                <a16:creationId xmlns:a16="http://schemas.microsoft.com/office/drawing/2014/main" id="{B876979C-D611-FBD5-5283-70D101401375}"/>
+              </a:ext>
+            </a:extLst>
+          </p:cNvPr>
           <p:cNvSpPr>
             <a:spLocks noGrp="1"/>
           </p:cNvSpPr>
@@ -723,7 +795,13 @@
       </p:sp>
       <p:sp>
         <p:nvSpPr>
-          <p:cNvPr id="4" name="Slide Number Placeholder 3"/>
+          <p:cNvPr id="4" name="Slide Number Placeholder 3">
+            <a:extLst>
+              <a:ext uri="{FF2B5EF4-FFF2-40B4-BE49-F238E27FC236}">
+                <a16:creationId xmlns:a16="http://schemas.microsoft.com/office/drawing/2014/main" id="{DEC7FD88-E2BA-0BD3-9E4D-F89F80EF5375}"/>
+              </a:ext>
+            </a:extLst>
+          </p:cNvPr>
           <p:cNvSpPr>
             <a:spLocks noGrp="1"/>
           </p:cNvSpPr>
@@ -747,7 +825,7 @@
     </p:spTree>
     <p:extLst>
       <p:ext uri="{BB962C8B-B14F-4D97-AF65-F5344CB8AC3E}">
-        <p14:creationId xmlns:p14="http://schemas.microsoft.com/office/powerpoint/2010/main" val="1024086991"/>
+        <p14:creationId xmlns:p14="http://schemas.microsoft.com/office/powerpoint/2010/main" val="2249046742"/>
       </p:ext>
     </p:extLst>
   </p:cSld>
@@ -1009,6 +1087,174 @@
 </p:notes>
 </file>
 
+<file path=ppt/notesSlides/notesSlide18.xml><?xml version="1.0" encoding="utf-8"?>
+<p:notes xmlns:a="http://schemas.openxmlformats.org/drawingml/2006/main" xmlns:r="http://schemas.openxmlformats.org/officeDocument/2006/relationships" xmlns:p="http://schemas.openxmlformats.org/presentationml/2006/main">
+  <p:cSld>
+    <p:spTree>
+      <p:nvGrpSpPr>
+        <p:cNvPr id="1" name=""/>
+        <p:cNvGrpSpPr/>
+        <p:nvPr/>
+      </p:nvGrpSpPr>
+      <p:grpSpPr>
+        <a:xfrm>
+          <a:off x="0" y="0"/>
+          <a:ext cx="0" cy="0"/>
+          <a:chOff x="0" y="0"/>
+          <a:chExt cx="0" cy="0"/>
+        </a:xfrm>
+      </p:grpSpPr>
+      <p:sp>
+        <p:nvSpPr>
+          <p:cNvPr id="2" name="Slide Image Placeholder 1"/>
+          <p:cNvSpPr>
+            <a:spLocks noGrp="1" noRot="1" noChangeAspect="1"/>
+          </p:cNvSpPr>
+          <p:nvPr>
+            <p:ph type="sldImg"/>
+          </p:nvPr>
+        </p:nvSpPr>
+        <p:spPr/>
+      </p:sp>
+      <p:sp>
+        <p:nvSpPr>
+          <p:cNvPr id="3" name="Notes Placeholder 2"/>
+          <p:cNvSpPr>
+            <a:spLocks noGrp="1"/>
+          </p:cNvSpPr>
+          <p:nvPr>
+            <p:ph type="body" idx="1"/>
+          </p:nvPr>
+        </p:nvSpPr>
+        <p:spPr/>
+        <p:txBody>
+          <a:bodyPr/>
+          <a:lstStyle/>
+          <a:p>
+            <a:endParaRPr lang="en-US" dirty="0"/>
+          </a:p>
+        </p:txBody>
+      </p:sp>
+      <p:sp>
+        <p:nvSpPr>
+          <p:cNvPr id="4" name="Slide Number Placeholder 3"/>
+          <p:cNvSpPr>
+            <a:spLocks noGrp="1"/>
+          </p:cNvSpPr>
+          <p:nvPr>
+            <p:ph type="sldNum" sz="quarter" idx="10"/>
+          </p:nvPr>
+        </p:nvSpPr>
+        <p:spPr/>
+        <p:txBody>
+          <a:bodyPr/>
+          <a:lstStyle/>
+          <a:p>
+            <a:fld id="{F7021451-1387-4CA6-816F-3879F97B5CBC}" type="slidenum">
+              <a:rPr lang="en-US"/>
+              <a:t>18</a:t>
+            </a:fld>
+            <a:endParaRPr lang="en-US"/>
+          </a:p>
+        </p:txBody>
+      </p:sp>
+    </p:spTree>
+    <p:extLst>
+      <p:ext uri="{BB962C8B-B14F-4D97-AF65-F5344CB8AC3E}">
+        <p14:creationId xmlns:p14="http://schemas.microsoft.com/office/powerpoint/2010/main" val="1024086991"/>
+      </p:ext>
+    </p:extLst>
+  </p:cSld>
+  <p:clrMapOvr>
+    <a:masterClrMapping/>
+  </p:clrMapOvr>
+</p:notes>
+</file>
+
+<file path=ppt/notesSlides/notesSlide19.xml><?xml version="1.0" encoding="utf-8"?>
+<p:notes xmlns:a="http://schemas.openxmlformats.org/drawingml/2006/main" xmlns:r="http://schemas.openxmlformats.org/officeDocument/2006/relationships" xmlns:p="http://schemas.openxmlformats.org/presentationml/2006/main">
+  <p:cSld>
+    <p:spTree>
+      <p:nvGrpSpPr>
+        <p:cNvPr id="1" name=""/>
+        <p:cNvGrpSpPr/>
+        <p:nvPr/>
+      </p:nvGrpSpPr>
+      <p:grpSpPr>
+        <a:xfrm>
+          <a:off x="0" y="0"/>
+          <a:ext cx="0" cy="0"/>
+          <a:chOff x="0" y="0"/>
+          <a:chExt cx="0" cy="0"/>
+        </a:xfrm>
+      </p:grpSpPr>
+      <p:sp>
+        <p:nvSpPr>
+          <p:cNvPr id="2" name="Slide Image Placeholder 1"/>
+          <p:cNvSpPr>
+            <a:spLocks noGrp="1" noRot="1" noChangeAspect="1"/>
+          </p:cNvSpPr>
+          <p:nvPr>
+            <p:ph type="sldImg"/>
+          </p:nvPr>
+        </p:nvSpPr>
+        <p:spPr/>
+      </p:sp>
+      <p:sp>
+        <p:nvSpPr>
+          <p:cNvPr id="3" name="Notes Placeholder 2"/>
+          <p:cNvSpPr>
+            <a:spLocks noGrp="1"/>
+          </p:cNvSpPr>
+          <p:nvPr>
+            <p:ph type="body" idx="1"/>
+          </p:nvPr>
+        </p:nvSpPr>
+        <p:spPr/>
+        <p:txBody>
+          <a:bodyPr/>
+          <a:lstStyle/>
+          <a:p>
+            <a:endParaRPr lang="en-US" dirty="0"/>
+          </a:p>
+        </p:txBody>
+      </p:sp>
+      <p:sp>
+        <p:nvSpPr>
+          <p:cNvPr id="4" name="Slide Number Placeholder 3"/>
+          <p:cNvSpPr>
+            <a:spLocks noGrp="1"/>
+          </p:cNvSpPr>
+          <p:nvPr>
+            <p:ph type="sldNum" sz="quarter" idx="10"/>
+          </p:nvPr>
+        </p:nvSpPr>
+        <p:spPr/>
+        <p:txBody>
+          <a:bodyPr/>
+          <a:lstStyle/>
+          <a:p>
+            <a:fld id="{F7021451-1387-4CA6-816F-3879F97B5CBC}" type="slidenum">
+              <a:rPr lang="en-US"/>
+              <a:t>19</a:t>
+            </a:fld>
+            <a:endParaRPr lang="en-US"/>
+          </a:p>
+        </p:txBody>
+      </p:sp>
+    </p:spTree>
+    <p:extLst>
+      <p:ext uri="{BB962C8B-B14F-4D97-AF65-F5344CB8AC3E}">
+        <p14:creationId xmlns:p14="http://schemas.microsoft.com/office/powerpoint/2010/main" val="1024086991"/>
+      </p:ext>
+    </p:extLst>
+  </p:cSld>
+  <p:clrMapOvr>
+    <a:masterClrMapping/>
+  </p:clrMapOvr>
+</p:notes>
+</file>
+
 <file path=ppt/notesSlides/notesSlide2.xml><?xml version="1.0" encoding="utf-8"?>
 <p:notes xmlns:a="http://schemas.openxmlformats.org/drawingml/2006/main" xmlns:r="http://schemas.openxmlformats.org/officeDocument/2006/relationships" xmlns:p="http://schemas.openxmlformats.org/presentationml/2006/main">
   <p:cSld>
@@ -1075,6 +1321,342 @@
             <a:fld id="{F7021451-1387-4CA6-816F-3879F97B5CBC}" type="slidenum">
               <a:rPr lang="en-US"/>
               <a:t>2</a:t>
+            </a:fld>
+            <a:endParaRPr lang="en-US"/>
+          </a:p>
+        </p:txBody>
+      </p:sp>
+    </p:spTree>
+    <p:extLst>
+      <p:ext uri="{BB962C8B-B14F-4D97-AF65-F5344CB8AC3E}">
+        <p14:creationId xmlns:p14="http://schemas.microsoft.com/office/powerpoint/2010/main" val="1024086991"/>
+      </p:ext>
+    </p:extLst>
+  </p:cSld>
+  <p:clrMapOvr>
+    <a:masterClrMapping/>
+  </p:clrMapOvr>
+</p:notes>
+</file>
+
+<file path=ppt/notesSlides/notesSlide20.xml><?xml version="1.0" encoding="utf-8"?>
+<p:notes xmlns:a="http://schemas.openxmlformats.org/drawingml/2006/main" xmlns:r="http://schemas.openxmlformats.org/officeDocument/2006/relationships" xmlns:p="http://schemas.openxmlformats.org/presentationml/2006/main">
+  <p:cSld>
+    <p:spTree>
+      <p:nvGrpSpPr>
+        <p:cNvPr id="1" name=""/>
+        <p:cNvGrpSpPr/>
+        <p:nvPr/>
+      </p:nvGrpSpPr>
+      <p:grpSpPr>
+        <a:xfrm>
+          <a:off x="0" y="0"/>
+          <a:ext cx="0" cy="0"/>
+          <a:chOff x="0" y="0"/>
+          <a:chExt cx="0" cy="0"/>
+        </a:xfrm>
+      </p:grpSpPr>
+      <p:sp>
+        <p:nvSpPr>
+          <p:cNvPr id="2" name="Slide Image Placeholder 1"/>
+          <p:cNvSpPr>
+            <a:spLocks noGrp="1" noRot="1" noChangeAspect="1"/>
+          </p:cNvSpPr>
+          <p:nvPr>
+            <p:ph type="sldImg"/>
+          </p:nvPr>
+        </p:nvSpPr>
+        <p:spPr/>
+      </p:sp>
+      <p:sp>
+        <p:nvSpPr>
+          <p:cNvPr id="3" name="Notes Placeholder 2"/>
+          <p:cNvSpPr>
+            <a:spLocks noGrp="1"/>
+          </p:cNvSpPr>
+          <p:nvPr>
+            <p:ph type="body" idx="1"/>
+          </p:nvPr>
+        </p:nvSpPr>
+        <p:spPr/>
+        <p:txBody>
+          <a:bodyPr/>
+          <a:lstStyle/>
+          <a:p>
+            <a:endParaRPr lang="en-US" dirty="0"/>
+          </a:p>
+        </p:txBody>
+      </p:sp>
+      <p:sp>
+        <p:nvSpPr>
+          <p:cNvPr id="4" name="Slide Number Placeholder 3"/>
+          <p:cNvSpPr>
+            <a:spLocks noGrp="1"/>
+          </p:cNvSpPr>
+          <p:nvPr>
+            <p:ph type="sldNum" sz="quarter" idx="10"/>
+          </p:nvPr>
+        </p:nvSpPr>
+        <p:spPr/>
+        <p:txBody>
+          <a:bodyPr/>
+          <a:lstStyle/>
+          <a:p>
+            <a:fld id="{F7021451-1387-4CA6-816F-3879F97B5CBC}" type="slidenum">
+              <a:rPr lang="en-US"/>
+              <a:t>20</a:t>
+            </a:fld>
+            <a:endParaRPr lang="en-US"/>
+          </a:p>
+        </p:txBody>
+      </p:sp>
+    </p:spTree>
+    <p:extLst>
+      <p:ext uri="{BB962C8B-B14F-4D97-AF65-F5344CB8AC3E}">
+        <p14:creationId xmlns:p14="http://schemas.microsoft.com/office/powerpoint/2010/main" val="1024086991"/>
+      </p:ext>
+    </p:extLst>
+  </p:cSld>
+  <p:clrMapOvr>
+    <a:masterClrMapping/>
+  </p:clrMapOvr>
+</p:notes>
+</file>
+
+<file path=ppt/notesSlides/notesSlide21.xml><?xml version="1.0" encoding="utf-8"?>
+<p:notes xmlns:a="http://schemas.openxmlformats.org/drawingml/2006/main" xmlns:r="http://schemas.openxmlformats.org/officeDocument/2006/relationships" xmlns:p="http://schemas.openxmlformats.org/presentationml/2006/main">
+  <p:cSld>
+    <p:spTree>
+      <p:nvGrpSpPr>
+        <p:cNvPr id="1" name=""/>
+        <p:cNvGrpSpPr/>
+        <p:nvPr/>
+      </p:nvGrpSpPr>
+      <p:grpSpPr>
+        <a:xfrm>
+          <a:off x="0" y="0"/>
+          <a:ext cx="0" cy="0"/>
+          <a:chOff x="0" y="0"/>
+          <a:chExt cx="0" cy="0"/>
+        </a:xfrm>
+      </p:grpSpPr>
+      <p:sp>
+        <p:nvSpPr>
+          <p:cNvPr id="2" name="Slide Image Placeholder 1"/>
+          <p:cNvSpPr>
+            <a:spLocks noGrp="1" noRot="1" noChangeAspect="1"/>
+          </p:cNvSpPr>
+          <p:nvPr>
+            <p:ph type="sldImg"/>
+          </p:nvPr>
+        </p:nvSpPr>
+        <p:spPr/>
+      </p:sp>
+      <p:sp>
+        <p:nvSpPr>
+          <p:cNvPr id="3" name="Notes Placeholder 2"/>
+          <p:cNvSpPr>
+            <a:spLocks noGrp="1"/>
+          </p:cNvSpPr>
+          <p:nvPr>
+            <p:ph type="body" idx="1"/>
+          </p:nvPr>
+        </p:nvSpPr>
+        <p:spPr/>
+        <p:txBody>
+          <a:bodyPr/>
+          <a:lstStyle/>
+          <a:p>
+            <a:endParaRPr lang="en-US" dirty="0"/>
+          </a:p>
+        </p:txBody>
+      </p:sp>
+      <p:sp>
+        <p:nvSpPr>
+          <p:cNvPr id="4" name="Slide Number Placeholder 3"/>
+          <p:cNvSpPr>
+            <a:spLocks noGrp="1"/>
+          </p:cNvSpPr>
+          <p:nvPr>
+            <p:ph type="sldNum" sz="quarter" idx="10"/>
+          </p:nvPr>
+        </p:nvSpPr>
+        <p:spPr/>
+        <p:txBody>
+          <a:bodyPr/>
+          <a:lstStyle/>
+          <a:p>
+            <a:fld id="{F7021451-1387-4CA6-816F-3879F97B5CBC}" type="slidenum">
+              <a:rPr lang="en-US"/>
+              <a:t>21</a:t>
+            </a:fld>
+            <a:endParaRPr lang="en-US"/>
+          </a:p>
+        </p:txBody>
+      </p:sp>
+    </p:spTree>
+    <p:extLst>
+      <p:ext uri="{BB962C8B-B14F-4D97-AF65-F5344CB8AC3E}">
+        <p14:creationId xmlns:p14="http://schemas.microsoft.com/office/powerpoint/2010/main" val="1024086991"/>
+      </p:ext>
+    </p:extLst>
+  </p:cSld>
+  <p:clrMapOvr>
+    <a:masterClrMapping/>
+  </p:clrMapOvr>
+</p:notes>
+</file>
+
+<file path=ppt/notesSlides/notesSlide22.xml><?xml version="1.0" encoding="utf-8"?>
+<p:notes xmlns:a="http://schemas.openxmlformats.org/drawingml/2006/main" xmlns:r="http://schemas.openxmlformats.org/officeDocument/2006/relationships" xmlns:p="http://schemas.openxmlformats.org/presentationml/2006/main">
+  <p:cSld>
+    <p:spTree>
+      <p:nvGrpSpPr>
+        <p:cNvPr id="1" name=""/>
+        <p:cNvGrpSpPr/>
+        <p:nvPr/>
+      </p:nvGrpSpPr>
+      <p:grpSpPr>
+        <a:xfrm>
+          <a:off x="0" y="0"/>
+          <a:ext cx="0" cy="0"/>
+          <a:chOff x="0" y="0"/>
+          <a:chExt cx="0" cy="0"/>
+        </a:xfrm>
+      </p:grpSpPr>
+      <p:sp>
+        <p:nvSpPr>
+          <p:cNvPr id="2" name="Slide Image Placeholder 1"/>
+          <p:cNvSpPr>
+            <a:spLocks noGrp="1" noRot="1" noChangeAspect="1"/>
+          </p:cNvSpPr>
+          <p:nvPr>
+            <p:ph type="sldImg"/>
+          </p:nvPr>
+        </p:nvSpPr>
+        <p:spPr/>
+      </p:sp>
+      <p:sp>
+        <p:nvSpPr>
+          <p:cNvPr id="3" name="Notes Placeholder 2"/>
+          <p:cNvSpPr>
+            <a:spLocks noGrp="1"/>
+          </p:cNvSpPr>
+          <p:nvPr>
+            <p:ph type="body" idx="1"/>
+          </p:nvPr>
+        </p:nvSpPr>
+        <p:spPr/>
+        <p:txBody>
+          <a:bodyPr/>
+          <a:lstStyle/>
+          <a:p>
+            <a:endParaRPr lang="en-US" dirty="0"/>
+          </a:p>
+        </p:txBody>
+      </p:sp>
+      <p:sp>
+        <p:nvSpPr>
+          <p:cNvPr id="4" name="Slide Number Placeholder 3"/>
+          <p:cNvSpPr>
+            <a:spLocks noGrp="1"/>
+          </p:cNvSpPr>
+          <p:nvPr>
+            <p:ph type="sldNum" sz="quarter" idx="10"/>
+          </p:nvPr>
+        </p:nvSpPr>
+        <p:spPr/>
+        <p:txBody>
+          <a:bodyPr/>
+          <a:lstStyle/>
+          <a:p>
+            <a:fld id="{F7021451-1387-4CA6-816F-3879F97B5CBC}" type="slidenum">
+              <a:rPr lang="en-US"/>
+              <a:t>22</a:t>
+            </a:fld>
+            <a:endParaRPr lang="en-US"/>
+          </a:p>
+        </p:txBody>
+      </p:sp>
+    </p:spTree>
+    <p:extLst>
+      <p:ext uri="{BB962C8B-B14F-4D97-AF65-F5344CB8AC3E}">
+        <p14:creationId xmlns:p14="http://schemas.microsoft.com/office/powerpoint/2010/main" val="1024086991"/>
+      </p:ext>
+    </p:extLst>
+  </p:cSld>
+  <p:clrMapOvr>
+    <a:masterClrMapping/>
+  </p:clrMapOvr>
+</p:notes>
+</file>
+
+<file path=ppt/notesSlides/notesSlide23.xml><?xml version="1.0" encoding="utf-8"?>
+<p:notes xmlns:a="http://schemas.openxmlformats.org/drawingml/2006/main" xmlns:r="http://schemas.openxmlformats.org/officeDocument/2006/relationships" xmlns:p="http://schemas.openxmlformats.org/presentationml/2006/main">
+  <p:cSld>
+    <p:spTree>
+      <p:nvGrpSpPr>
+        <p:cNvPr id="1" name=""/>
+        <p:cNvGrpSpPr/>
+        <p:nvPr/>
+      </p:nvGrpSpPr>
+      <p:grpSpPr>
+        <a:xfrm>
+          <a:off x="0" y="0"/>
+          <a:ext cx="0" cy="0"/>
+          <a:chOff x="0" y="0"/>
+          <a:chExt cx="0" cy="0"/>
+        </a:xfrm>
+      </p:grpSpPr>
+      <p:sp>
+        <p:nvSpPr>
+          <p:cNvPr id="2" name="Slide Image Placeholder 1"/>
+          <p:cNvSpPr>
+            <a:spLocks noGrp="1" noRot="1" noChangeAspect="1"/>
+          </p:cNvSpPr>
+          <p:nvPr>
+            <p:ph type="sldImg"/>
+          </p:nvPr>
+        </p:nvSpPr>
+        <p:spPr/>
+      </p:sp>
+      <p:sp>
+        <p:nvSpPr>
+          <p:cNvPr id="3" name="Notes Placeholder 2"/>
+          <p:cNvSpPr>
+            <a:spLocks noGrp="1"/>
+          </p:cNvSpPr>
+          <p:nvPr>
+            <p:ph type="body" idx="1"/>
+          </p:nvPr>
+        </p:nvSpPr>
+        <p:spPr/>
+        <p:txBody>
+          <a:bodyPr/>
+          <a:lstStyle/>
+          <a:p>
+            <a:endParaRPr lang="en-US" dirty="0"/>
+          </a:p>
+        </p:txBody>
+      </p:sp>
+      <p:sp>
+        <p:nvSpPr>
+          <p:cNvPr id="4" name="Slide Number Placeholder 3"/>
+          <p:cNvSpPr>
+            <a:spLocks noGrp="1"/>
+          </p:cNvSpPr>
+          <p:nvPr>
+            <p:ph type="sldNum" sz="quarter" idx="10"/>
+          </p:nvPr>
+        </p:nvSpPr>
+        <p:spPr/>
+        <p:txBody>
+          <a:bodyPr/>
+          <a:lstStyle/>
+          <a:p>
+            <a:fld id="{F7021451-1387-4CA6-816F-3879F97B5CBC}" type="slidenum">
+              <a:rPr lang="en-US"/>
+              <a:t>23</a:t>
             </a:fld>
             <a:endParaRPr lang="en-US"/>
           </a:p>
@@ -1350,7 +1932,13 @@
   <p:cSld>
     <p:spTree>
       <p:nvGrpSpPr>
-        <p:cNvPr id="1" name=""/>
+        <p:cNvPr id="1" name="">
+          <a:extLst>
+            <a:ext uri="{FF2B5EF4-FFF2-40B4-BE49-F238E27FC236}">
+              <a16:creationId xmlns:a16="http://schemas.microsoft.com/office/drawing/2014/main" id="{D6B27D95-715D-D31A-27BC-61E7396A70AF}"/>
+            </a:ext>
+          </a:extLst>
+        </p:cNvPr>
         <p:cNvGrpSpPr/>
         <p:nvPr/>
       </p:nvGrpSpPr>
@@ -1364,7 +1952,13 @@
       </p:grpSpPr>
       <p:sp>
         <p:nvSpPr>
-          <p:cNvPr id="2" name="Slide Image Placeholder 1"/>
+          <p:cNvPr id="2" name="Slide Image Placeholder 1">
+            <a:extLst>
+              <a:ext uri="{FF2B5EF4-FFF2-40B4-BE49-F238E27FC236}">
+                <a16:creationId xmlns:a16="http://schemas.microsoft.com/office/drawing/2014/main" id="{5CFE1450-B793-85E8-9433-EF521DCE44D6}"/>
+              </a:ext>
+            </a:extLst>
+          </p:cNvPr>
           <p:cNvSpPr>
             <a:spLocks noGrp="1" noRot="1" noChangeAspect="1"/>
           </p:cNvSpPr>
@@ -1376,7 +1970,13 @@
       </p:sp>
       <p:sp>
         <p:nvSpPr>
-          <p:cNvPr id="3" name="Notes Placeholder 2"/>
+          <p:cNvPr id="3" name="Notes Placeholder 2">
+            <a:extLst>
+              <a:ext uri="{FF2B5EF4-FFF2-40B4-BE49-F238E27FC236}">
+                <a16:creationId xmlns:a16="http://schemas.microsoft.com/office/drawing/2014/main" id="{28D30B64-9DCB-B2C1-BFCB-32E2EFC7D0A7}"/>
+              </a:ext>
+            </a:extLst>
+          </p:cNvPr>
           <p:cNvSpPr>
             <a:spLocks noGrp="1"/>
           </p:cNvSpPr>
@@ -1395,7 +1995,13 @@
       </p:sp>
       <p:sp>
         <p:nvSpPr>
-          <p:cNvPr id="4" name="Slide Number Placeholder 3"/>
+          <p:cNvPr id="4" name="Slide Number Placeholder 3">
+            <a:extLst>
+              <a:ext uri="{FF2B5EF4-FFF2-40B4-BE49-F238E27FC236}">
+                <a16:creationId xmlns:a16="http://schemas.microsoft.com/office/drawing/2014/main" id="{1DC0F4AC-85F1-B013-097A-71E28D4D5D71}"/>
+              </a:ext>
+            </a:extLst>
+          </p:cNvPr>
           <p:cNvSpPr>
             <a:spLocks noGrp="1"/>
           </p:cNvSpPr>
@@ -1419,7 +2025,7 @@
     </p:spTree>
     <p:extLst>
       <p:ext uri="{BB962C8B-B14F-4D97-AF65-F5344CB8AC3E}">
-        <p14:creationId xmlns:p14="http://schemas.microsoft.com/office/powerpoint/2010/main" val="1024086991"/>
+        <p14:creationId xmlns:p14="http://schemas.microsoft.com/office/powerpoint/2010/main" val="1628542270"/>
       </p:ext>
     </p:extLst>
   </p:cSld>
@@ -1434,7 +2040,13 @@
   <p:cSld>
     <p:spTree>
       <p:nvGrpSpPr>
-        <p:cNvPr id="1" name=""/>
+        <p:cNvPr id="1" name="">
+          <a:extLst>
+            <a:ext uri="{FF2B5EF4-FFF2-40B4-BE49-F238E27FC236}">
+              <a16:creationId xmlns:a16="http://schemas.microsoft.com/office/drawing/2014/main" id="{93443D4F-766C-8A96-EB72-2F65B6344E0A}"/>
+            </a:ext>
+          </a:extLst>
+        </p:cNvPr>
         <p:cNvGrpSpPr/>
         <p:nvPr/>
       </p:nvGrpSpPr>
@@ -1448,7 +2060,13 @@
       </p:grpSpPr>
       <p:sp>
         <p:nvSpPr>
-          <p:cNvPr id="2" name="Slide Image Placeholder 1"/>
+          <p:cNvPr id="2" name="Slide Image Placeholder 1">
+            <a:extLst>
+              <a:ext uri="{FF2B5EF4-FFF2-40B4-BE49-F238E27FC236}">
+                <a16:creationId xmlns:a16="http://schemas.microsoft.com/office/drawing/2014/main" id="{0299C3E6-18AC-658F-B532-CAE7BCBC50EC}"/>
+              </a:ext>
+            </a:extLst>
+          </p:cNvPr>
           <p:cNvSpPr>
             <a:spLocks noGrp="1" noRot="1" noChangeAspect="1"/>
           </p:cNvSpPr>
@@ -1460,7 +2078,13 @@
       </p:sp>
       <p:sp>
         <p:nvSpPr>
-          <p:cNvPr id="3" name="Notes Placeholder 2"/>
+          <p:cNvPr id="3" name="Notes Placeholder 2">
+            <a:extLst>
+              <a:ext uri="{FF2B5EF4-FFF2-40B4-BE49-F238E27FC236}">
+                <a16:creationId xmlns:a16="http://schemas.microsoft.com/office/drawing/2014/main" id="{F2EE35D1-AFE8-A58A-5684-B3C19DAF9A68}"/>
+              </a:ext>
+            </a:extLst>
+          </p:cNvPr>
           <p:cNvSpPr>
             <a:spLocks noGrp="1"/>
           </p:cNvSpPr>
@@ -1479,7 +2103,13 @@
       </p:sp>
       <p:sp>
         <p:nvSpPr>
-          <p:cNvPr id="4" name="Slide Number Placeholder 3"/>
+          <p:cNvPr id="4" name="Slide Number Placeholder 3">
+            <a:extLst>
+              <a:ext uri="{FF2B5EF4-FFF2-40B4-BE49-F238E27FC236}">
+                <a16:creationId xmlns:a16="http://schemas.microsoft.com/office/drawing/2014/main" id="{A20794A7-5CC9-7DD7-1DD8-C75C027D1471}"/>
+              </a:ext>
+            </a:extLst>
+          </p:cNvPr>
           <p:cNvSpPr>
             <a:spLocks noGrp="1"/>
           </p:cNvSpPr>
@@ -1503,7 +2133,7 @@
     </p:spTree>
     <p:extLst>
       <p:ext uri="{BB962C8B-B14F-4D97-AF65-F5344CB8AC3E}">
-        <p14:creationId xmlns:p14="http://schemas.microsoft.com/office/powerpoint/2010/main" val="1024086991"/>
+        <p14:creationId xmlns:p14="http://schemas.microsoft.com/office/powerpoint/2010/main" val="366494262"/>
       </p:ext>
     </p:extLst>
   </p:cSld>
@@ -1602,7 +2232,13 @@
   <p:cSld>
     <p:spTree>
       <p:nvGrpSpPr>
-        <p:cNvPr id="1" name=""/>
+        <p:cNvPr id="1" name="">
+          <a:extLst>
+            <a:ext uri="{FF2B5EF4-FFF2-40B4-BE49-F238E27FC236}">
+              <a16:creationId xmlns:a16="http://schemas.microsoft.com/office/drawing/2014/main" id="{C99BA891-235D-5F8C-6AFF-091C705E6796}"/>
+            </a:ext>
+          </a:extLst>
+        </p:cNvPr>
         <p:cNvGrpSpPr/>
         <p:nvPr/>
       </p:nvGrpSpPr>
@@ -1616,7 +2252,13 @@
       </p:grpSpPr>
       <p:sp>
         <p:nvSpPr>
-          <p:cNvPr id="2" name="Slide Image Placeholder 1"/>
+          <p:cNvPr id="2" name="Slide Image Placeholder 1">
+            <a:extLst>
+              <a:ext uri="{FF2B5EF4-FFF2-40B4-BE49-F238E27FC236}">
+                <a16:creationId xmlns:a16="http://schemas.microsoft.com/office/drawing/2014/main" id="{7A29A0E5-A1D3-E092-8D3C-A8D949CC1AA5}"/>
+              </a:ext>
+            </a:extLst>
+          </p:cNvPr>
           <p:cNvSpPr>
             <a:spLocks noGrp="1" noRot="1" noChangeAspect="1"/>
           </p:cNvSpPr>
@@ -1628,7 +2270,13 @@
       </p:sp>
       <p:sp>
         <p:nvSpPr>
-          <p:cNvPr id="3" name="Notes Placeholder 2"/>
+          <p:cNvPr id="3" name="Notes Placeholder 2">
+            <a:extLst>
+              <a:ext uri="{FF2B5EF4-FFF2-40B4-BE49-F238E27FC236}">
+                <a16:creationId xmlns:a16="http://schemas.microsoft.com/office/drawing/2014/main" id="{F21388CD-5B84-8A04-9387-CD65EEE31081}"/>
+              </a:ext>
+            </a:extLst>
+          </p:cNvPr>
           <p:cNvSpPr>
             <a:spLocks noGrp="1"/>
           </p:cNvSpPr>
@@ -1647,7 +2295,13 @@
       </p:sp>
       <p:sp>
         <p:nvSpPr>
-          <p:cNvPr id="4" name="Slide Number Placeholder 3"/>
+          <p:cNvPr id="4" name="Slide Number Placeholder 3">
+            <a:extLst>
+              <a:ext uri="{FF2B5EF4-FFF2-40B4-BE49-F238E27FC236}">
+                <a16:creationId xmlns:a16="http://schemas.microsoft.com/office/drawing/2014/main" id="{BA0B2BA4-1E49-F19D-E8BF-415ECFF05F37}"/>
+              </a:ext>
+            </a:extLst>
+          </p:cNvPr>
           <p:cNvSpPr>
             <a:spLocks noGrp="1"/>
           </p:cNvSpPr>
@@ -1671,7 +2325,7 @@
     </p:spTree>
     <p:extLst>
       <p:ext uri="{BB962C8B-B14F-4D97-AF65-F5344CB8AC3E}">
-        <p14:creationId xmlns:p14="http://schemas.microsoft.com/office/powerpoint/2010/main" val="1024086991"/>
+        <p14:creationId xmlns:p14="http://schemas.microsoft.com/office/powerpoint/2010/main" val="500259403"/>
       </p:ext>
     </p:extLst>
   </p:cSld>
@@ -2196,6 +2850,1197 @@
 
 <file path=ppt/slides/slide10.xml><?xml version="1.0" encoding="utf-8"?>
 <p:sld xmlns:a="http://schemas.openxmlformats.org/drawingml/2006/main" xmlns:r="http://schemas.openxmlformats.org/officeDocument/2006/relationships" xmlns:p="http://schemas.openxmlformats.org/presentationml/2006/main">
+  <p:cSld>
+    <p:bg>
+      <p:bgPr>
+        <a:solidFill>
+          <a:srgbClr val="0F172A"/>
+        </a:solidFill>
+        <a:effectLst/>
+      </p:bgPr>
+    </p:bg>
+    <p:spTree>
+      <p:nvGrpSpPr>
+        <p:cNvPr id="1" name="">
+          <a:extLst>
+            <a:ext uri="{FF2B5EF4-FFF2-40B4-BE49-F238E27FC236}">
+              <a16:creationId xmlns:a16="http://schemas.microsoft.com/office/drawing/2014/main" id="{4CE2926C-87F7-9727-80A0-BC7630B8D102}"/>
+            </a:ext>
+          </a:extLst>
+        </p:cNvPr>
+        <p:cNvGrpSpPr/>
+        <p:nvPr/>
+      </p:nvGrpSpPr>
+      <p:grpSpPr>
+        <a:xfrm>
+          <a:off x="0" y="0"/>
+          <a:ext cx="0" cy="0"/>
+          <a:chOff x="0" y="0"/>
+          <a:chExt cx="0" cy="0"/>
+        </a:xfrm>
+      </p:grpSpPr>
+      <p:sp>
+        <p:nvSpPr>
+          <p:cNvPr id="2" name="Text 0">
+            <a:extLst>
+              <a:ext uri="{FF2B5EF4-FFF2-40B4-BE49-F238E27FC236}">
+                <a16:creationId xmlns:a16="http://schemas.microsoft.com/office/drawing/2014/main" id="{186AB286-1129-2255-8E5A-A7C539609102}"/>
+              </a:ext>
+            </a:extLst>
+          </p:cNvPr>
+          <p:cNvSpPr/>
+          <p:nvPr/>
+        </p:nvSpPr>
+        <p:spPr>
+          <a:xfrm>
+            <a:off x="609575" y="609574"/>
+            <a:ext cx="8083346" cy="411510"/>
+          </a:xfrm>
+          <a:prstGeom prst="rect">
+            <a:avLst/>
+          </a:prstGeom>
+          <a:noFill/>
+          <a:ln/>
+        </p:spPr>
+        <p:txBody>
+          <a:bodyPr wrap="square" lIns="0" tIns="0" rIns="0" bIns="0" rtlCol="0" anchor="t"/>
+          <a:lstStyle/>
+          <a:p>
+            <a:pPr marL="0" indent="0">
+              <a:lnSpc>
+                <a:spcPts val="3240"/>
+              </a:lnSpc>
+              <a:buNone/>
+            </a:pPr>
+            <a:r>
+              <a:rPr lang="en-US" sz="2700" b="1" dirty="0">
+                <a:solidFill>
+                  <a:srgbClr val="38BDF8"/>
+                </a:solidFill>
+                <a:latin typeface="Arial" pitchFamily="34" charset="0"/>
+                <a:ea typeface="Arial" pitchFamily="34" charset="-122"/>
+                <a:cs typeface="Arial" pitchFamily="34" charset="-120"/>
+              </a:rPr>
+              <a:t>Robust Estimation</a:t>
+            </a:r>
+            <a:endParaRPr lang="en-US" sz="2700" dirty="0"/>
+          </a:p>
+        </p:txBody>
+      </p:sp>
+      <p:pic>
+        <p:nvPicPr>
+          <p:cNvPr id="13" name="Picture 12">
+            <a:extLst>
+              <a:ext uri="{FF2B5EF4-FFF2-40B4-BE49-F238E27FC236}">
+                <a16:creationId xmlns:a16="http://schemas.microsoft.com/office/drawing/2014/main" id="{095EA033-1D7D-8FFC-272B-60984633482B}"/>
+              </a:ext>
+            </a:extLst>
+          </p:cNvPr>
+          <p:cNvPicPr>
+            <a:picLocks noChangeAspect="1"/>
+          </p:cNvPicPr>
+          <p:nvPr/>
+        </p:nvPicPr>
+        <p:blipFill>
+          <a:blip r:embed="rId3"/>
+          <a:stretch>
+            <a:fillRect/>
+          </a:stretch>
+        </p:blipFill>
+        <p:spPr>
+          <a:xfrm>
+            <a:off x="2023110" y="1120140"/>
+            <a:ext cx="4801662" cy="3840479"/>
+          </a:xfrm>
+          <a:prstGeom prst="rect">
+            <a:avLst/>
+          </a:prstGeom>
+        </p:spPr>
+      </p:pic>
+    </p:spTree>
+    <p:extLst>
+      <p:ext uri="{BB962C8B-B14F-4D97-AF65-F5344CB8AC3E}">
+        <p14:creationId xmlns:p14="http://schemas.microsoft.com/office/powerpoint/2010/main" val="907101656"/>
+      </p:ext>
+    </p:extLst>
+  </p:cSld>
+  <p:clrMapOvr>
+    <a:masterClrMapping/>
+  </p:clrMapOvr>
+</p:sld>
+</file>
+
+<file path=ppt/slides/slide11.xml><?xml version="1.0" encoding="utf-8"?>
+<p:sld xmlns:a="http://schemas.openxmlformats.org/drawingml/2006/main" xmlns:r="http://schemas.openxmlformats.org/officeDocument/2006/relationships" xmlns:p="http://schemas.openxmlformats.org/presentationml/2006/main">
+  <p:cSld name="Slide 7">
+    <p:bg>
+      <p:bgPr>
+        <a:solidFill>
+          <a:srgbClr val="0F172A"/>
+        </a:solidFill>
+        <a:effectLst/>
+      </p:bgPr>
+    </p:bg>
+    <p:spTree>
+      <p:nvGrpSpPr>
+        <p:cNvPr id="1" name=""/>
+        <p:cNvGrpSpPr/>
+        <p:nvPr/>
+      </p:nvGrpSpPr>
+      <p:grpSpPr>
+        <a:xfrm>
+          <a:off x="0" y="0"/>
+          <a:ext cx="0" cy="0"/>
+          <a:chOff x="0" y="0"/>
+          <a:chExt cx="0" cy="0"/>
+        </a:xfrm>
+      </p:grpSpPr>
+      <p:sp>
+        <p:nvSpPr>
+          <p:cNvPr id="2" name="Text 0"/>
+          <p:cNvSpPr/>
+          <p:nvPr/>
+        </p:nvSpPr>
+        <p:spPr>
+          <a:xfrm>
+            <a:off x="609575" y="609574"/>
+            <a:ext cx="8083346" cy="411510"/>
+          </a:xfrm>
+          <a:prstGeom prst="rect">
+            <a:avLst/>
+          </a:prstGeom>
+          <a:noFill/>
+          <a:ln/>
+        </p:spPr>
+        <p:txBody>
+          <a:bodyPr wrap="square" lIns="0" tIns="0" rIns="0" bIns="0" rtlCol="0" anchor="t"/>
+          <a:lstStyle/>
+          <a:p>
+            <a:pPr marL="0" indent="0">
+              <a:lnSpc>
+                <a:spcPts val="3240"/>
+              </a:lnSpc>
+              <a:buNone/>
+            </a:pPr>
+            <a:r>
+              <a:rPr lang="en-US" sz="2700" b="1" dirty="0">
+                <a:solidFill>
+                  <a:srgbClr val="38BDF8"/>
+                </a:solidFill>
+                <a:latin typeface="Arial" pitchFamily="34" charset="0"/>
+                <a:ea typeface="Arial" pitchFamily="34" charset="-122"/>
+                <a:cs typeface="Arial" pitchFamily="34" charset="-120"/>
+              </a:rPr>
+              <a:t>Cylindrical Projection</a:t>
+            </a:r>
+            <a:endParaRPr lang="en-US" sz="2700" dirty="0"/>
+          </a:p>
+        </p:txBody>
+      </p:sp>
+      <p:sp>
+        <p:nvSpPr>
+          <p:cNvPr id="3" name="Text 1"/>
+          <p:cNvSpPr/>
+          <p:nvPr/>
+        </p:nvSpPr>
+        <p:spPr>
+          <a:xfrm>
+            <a:off x="609575" y="1173384"/>
+            <a:ext cx="8083346" cy="239861"/>
+          </a:xfrm>
+          <a:prstGeom prst="rect">
+            <a:avLst/>
+          </a:prstGeom>
+          <a:noFill/>
+          <a:ln/>
+        </p:spPr>
+        <p:txBody>
+          <a:bodyPr wrap="square" lIns="0" tIns="0" rIns="0" bIns="0" rtlCol="0" anchor="t"/>
+          <a:lstStyle/>
+          <a:p>
+            <a:pPr marL="0" indent="0">
+              <a:lnSpc>
+                <a:spcPts val="1890"/>
+              </a:lnSpc>
+              <a:buNone/>
+            </a:pPr>
+            <a:r>
+              <a:rPr lang="en-US" sz="1350" dirty="0">
+                <a:solidFill>
+                  <a:srgbClr val="CBD5E1"/>
+                </a:solidFill>
+                <a:latin typeface="Arial" pitchFamily="34" charset="0"/>
+                <a:ea typeface="Arial" pitchFamily="34" charset="-122"/>
+                <a:cs typeface="Arial" pitchFamily="34" charset="-120"/>
+              </a:rPr>
+              <a:t>Reduces wide-angle distortion when camera rotates around optical center</a:t>
+            </a:r>
+            <a:endParaRPr lang="en-US" sz="1350" dirty="0"/>
+          </a:p>
+        </p:txBody>
+      </p:sp>
+      <p:sp>
+        <p:nvSpPr>
+          <p:cNvPr id="4" name="Text 2"/>
+          <p:cNvSpPr/>
+          <p:nvPr/>
+        </p:nvSpPr>
+        <p:spPr>
+          <a:xfrm>
+            <a:off x="609575" y="1641821"/>
+            <a:ext cx="8083346" cy="237629"/>
+          </a:xfrm>
+          <a:prstGeom prst="rect">
+            <a:avLst/>
+          </a:prstGeom>
+          <a:noFill/>
+          <a:ln/>
+        </p:spPr>
+        <p:txBody>
+          <a:bodyPr wrap="square" lIns="0" tIns="0" rIns="0" bIns="0" rtlCol="0" anchor="t"/>
+          <a:lstStyle/>
+          <a:p>
+            <a:pPr marL="0" indent="0">
+              <a:lnSpc>
+                <a:spcPts val="1872"/>
+              </a:lnSpc>
+              <a:buNone/>
+            </a:pPr>
+            <a:r>
+              <a:rPr lang="en-US" sz="1560" b="1" dirty="0">
+                <a:solidFill>
+                  <a:srgbClr val="38BDF8"/>
+                </a:solidFill>
+                <a:latin typeface="Arial" pitchFamily="34" charset="0"/>
+                <a:ea typeface="Arial" pitchFamily="34" charset="-122"/>
+                <a:cs typeface="Arial" pitchFamily="34" charset="-120"/>
+              </a:rPr>
+              <a:t>Transformation</a:t>
+            </a:r>
+            <a:endParaRPr lang="en-US" sz="1560" dirty="0"/>
+          </a:p>
+        </p:txBody>
+      </p:sp>
+      <p:sp>
+        <p:nvSpPr>
+          <p:cNvPr id="5" name="Text 3"/>
+          <p:cNvSpPr/>
+          <p:nvPr/>
+        </p:nvSpPr>
+        <p:spPr>
+          <a:xfrm>
+            <a:off x="914301" y="2001366"/>
+            <a:ext cx="7620124" cy="1153790"/>
+          </a:xfrm>
+          <a:prstGeom prst="rect">
+            <a:avLst/>
+          </a:prstGeom>
+          <a:noFill/>
+          <a:ln/>
+        </p:spPr>
+        <p:txBody>
+          <a:bodyPr wrap="square" lIns="0" tIns="0" rIns="0" bIns="0" rtlCol="0" anchor="t"/>
+          <a:lstStyle/>
+          <a:p>
+            <a:pPr marL="342900" indent="-342900">
+              <a:lnSpc>
+                <a:spcPts val="2430"/>
+              </a:lnSpc>
+              <a:buSzPct val="100000"/>
+              <a:buChar char="•"/>
+            </a:pPr>
+            <a:r>
+              <a:rPr lang="en-US" sz="1350" dirty="0">
+                <a:solidFill>
+                  <a:srgbClr val="CBD5E1"/>
+                </a:solidFill>
+                <a:latin typeface="Arial" pitchFamily="34" charset="0"/>
+                <a:ea typeface="Arial" pitchFamily="34" charset="-122"/>
+                <a:cs typeface="Arial" pitchFamily="34" charset="-120"/>
+              </a:rPr>
+              <a:t>Normalize pixel coordinates by focal length f</a:t>
+            </a:r>
+            <a:endParaRPr lang="en-US" sz="1350" dirty="0"/>
+          </a:p>
+          <a:p>
+            <a:pPr marL="342900" indent="-342900">
+              <a:lnSpc>
+                <a:spcPts val="2430"/>
+              </a:lnSpc>
+              <a:buSzPct val="100000"/>
+              <a:buChar char="•"/>
+            </a:pPr>
+            <a:r>
+              <a:rPr lang="en-US" sz="1350" dirty="0">
+                <a:solidFill>
+                  <a:srgbClr val="CBD5E1"/>
+                </a:solidFill>
+                <a:latin typeface="Arial" pitchFamily="34" charset="0"/>
+                <a:ea typeface="Arial" pitchFamily="34" charset="-122"/>
+                <a:cs typeface="Arial" pitchFamily="34" charset="-120"/>
+              </a:rPr>
+              <a:t>Map to cylinder: xc = tan(x), yc = y·cos(x)</a:t>
+            </a:r>
+            <a:endParaRPr lang="en-US" sz="1350" dirty="0"/>
+          </a:p>
+          <a:p>
+            <a:pPr marL="342900" indent="-342900">
+              <a:lnSpc>
+                <a:spcPts val="2430"/>
+              </a:lnSpc>
+              <a:buSzPct val="100000"/>
+              <a:buChar char="•"/>
+            </a:pPr>
+            <a:r>
+              <a:rPr lang="en-US" sz="1350" dirty="0">
+                <a:solidFill>
+                  <a:srgbClr val="CBD5E1"/>
+                </a:solidFill>
+                <a:latin typeface="Arial" pitchFamily="34" charset="0"/>
+                <a:ea typeface="Arial" pitchFamily="34" charset="-122"/>
+                <a:cs typeface="Arial" pitchFamily="34" charset="-120"/>
+              </a:rPr>
+              <a:t>Project back to pixels</a:t>
+            </a:r>
+            <a:endParaRPr lang="en-US" sz="1350" dirty="0"/>
+          </a:p>
+        </p:txBody>
+      </p:sp>
+      <p:sp>
+        <p:nvSpPr>
+          <p:cNvPr id="6" name="Text 4"/>
+          <p:cNvSpPr/>
+          <p:nvPr/>
+        </p:nvSpPr>
+        <p:spPr>
+          <a:xfrm>
+            <a:off x="609575" y="3337966"/>
+            <a:ext cx="8083346" cy="239861"/>
+          </a:xfrm>
+          <a:prstGeom prst="rect">
+            <a:avLst/>
+          </a:prstGeom>
+          <a:noFill/>
+          <a:ln/>
+        </p:spPr>
+        <p:txBody>
+          <a:bodyPr wrap="square" lIns="0" tIns="0" rIns="0" bIns="0" rtlCol="0" anchor="t"/>
+          <a:lstStyle/>
+          <a:p>
+            <a:pPr marL="0" indent="0">
+              <a:lnSpc>
+                <a:spcPts val="1890"/>
+              </a:lnSpc>
+              <a:buNone/>
+            </a:pPr>
+            <a:r>
+              <a:rPr lang="en-US" sz="1350" dirty="0">
+                <a:solidFill>
+                  <a:srgbClr val="38BDF8"/>
+                </a:solidFill>
+                <a:latin typeface="Arial" pitchFamily="34" charset="0"/>
+                <a:ea typeface="Arial" pitchFamily="34" charset="-122"/>
+                <a:cs typeface="Arial" pitchFamily="34" charset="-120"/>
+              </a:rPr>
+              <a:t>Parameter f:</a:t>
+            </a:r>
+            <a:r>
+              <a:rPr lang="en-US" sz="1350" dirty="0">
+                <a:solidFill>
+                  <a:srgbClr val="CBD5E1"/>
+                </a:solidFill>
+                <a:latin typeface="Arial" pitchFamily="34" charset="0"/>
+                <a:ea typeface="Arial" pitchFamily="34" charset="-122"/>
+                <a:cs typeface="Arial" pitchFamily="34" charset="-120"/>
+              </a:rPr>
+              <a:t> Larger f = weaker distortion; smaller f = stronger correction</a:t>
+            </a:r>
+            <a:endParaRPr lang="en-US" sz="1350" dirty="0"/>
+          </a:p>
+        </p:txBody>
+      </p:sp>
+    </p:spTree>
+  </p:cSld>
+  <p:clrMapOvr>
+    <a:masterClrMapping/>
+  </p:clrMapOvr>
+</p:sld>
+</file>
+
+<file path=ppt/slides/slide12.xml><?xml version="1.0" encoding="utf-8"?>
+<p:sld xmlns:a="http://schemas.openxmlformats.org/drawingml/2006/main" xmlns:r="http://schemas.openxmlformats.org/officeDocument/2006/relationships" xmlns:p="http://schemas.openxmlformats.org/presentationml/2006/main">
+  <p:cSld>
+    <p:bg>
+      <p:bgPr>
+        <a:solidFill>
+          <a:srgbClr val="0F172A"/>
+        </a:solidFill>
+        <a:effectLst/>
+      </p:bgPr>
+    </p:bg>
+    <p:spTree>
+      <p:nvGrpSpPr>
+        <p:cNvPr id="1" name="">
+          <a:extLst>
+            <a:ext uri="{FF2B5EF4-FFF2-40B4-BE49-F238E27FC236}">
+              <a16:creationId xmlns:a16="http://schemas.microsoft.com/office/drawing/2014/main" id="{5A88D799-DCD5-A49F-A0A6-5A882E184277}"/>
+            </a:ext>
+          </a:extLst>
+        </p:cNvPr>
+        <p:cNvGrpSpPr/>
+        <p:nvPr/>
+      </p:nvGrpSpPr>
+      <p:grpSpPr>
+        <a:xfrm>
+          <a:off x="0" y="0"/>
+          <a:ext cx="0" cy="0"/>
+          <a:chOff x="0" y="0"/>
+          <a:chExt cx="0" cy="0"/>
+        </a:xfrm>
+      </p:grpSpPr>
+      <p:sp>
+        <p:nvSpPr>
+          <p:cNvPr id="2" name="Text 0">
+            <a:extLst>
+              <a:ext uri="{FF2B5EF4-FFF2-40B4-BE49-F238E27FC236}">
+                <a16:creationId xmlns:a16="http://schemas.microsoft.com/office/drawing/2014/main" id="{D7481487-D9CA-7C02-A8DA-9CB05157F929}"/>
+              </a:ext>
+            </a:extLst>
+          </p:cNvPr>
+          <p:cNvSpPr/>
+          <p:nvPr/>
+        </p:nvSpPr>
+        <p:spPr>
+          <a:xfrm>
+            <a:off x="609575" y="609574"/>
+            <a:ext cx="8083346" cy="411510"/>
+          </a:xfrm>
+          <a:prstGeom prst="rect">
+            <a:avLst/>
+          </a:prstGeom>
+          <a:noFill/>
+          <a:ln/>
+        </p:spPr>
+        <p:txBody>
+          <a:bodyPr wrap="square" lIns="0" tIns="0" rIns="0" bIns="0" rtlCol="0" anchor="t"/>
+          <a:lstStyle/>
+          <a:p>
+            <a:pPr marL="0" indent="0">
+              <a:lnSpc>
+                <a:spcPts val="3240"/>
+              </a:lnSpc>
+              <a:buNone/>
+            </a:pPr>
+            <a:r>
+              <a:rPr lang="en-US" sz="2700" b="1" dirty="0">
+                <a:solidFill>
+                  <a:srgbClr val="38BDF8"/>
+                </a:solidFill>
+                <a:latin typeface="Arial" pitchFamily="34" charset="0"/>
+                <a:ea typeface="Arial" pitchFamily="34" charset="-122"/>
+                <a:cs typeface="Arial" pitchFamily="34" charset="-120"/>
+              </a:rPr>
+              <a:t>Cylindrical Projection</a:t>
+            </a:r>
+            <a:endParaRPr lang="en-US" sz="2700" dirty="0"/>
+          </a:p>
+        </p:txBody>
+      </p:sp>
+      <p:pic>
+        <p:nvPicPr>
+          <p:cNvPr id="12" name="Picture 11">
+            <a:extLst>
+              <a:ext uri="{FF2B5EF4-FFF2-40B4-BE49-F238E27FC236}">
+                <a16:creationId xmlns:a16="http://schemas.microsoft.com/office/drawing/2014/main" id="{706E1D6E-B201-1746-FFD7-1D4A10ACA753}"/>
+              </a:ext>
+            </a:extLst>
+          </p:cNvPr>
+          <p:cNvPicPr>
+            <a:picLocks noChangeAspect="1"/>
+          </p:cNvPicPr>
+          <p:nvPr/>
+        </p:nvPicPr>
+        <p:blipFill>
+          <a:blip r:embed="rId3"/>
+          <a:stretch>
+            <a:fillRect/>
+          </a:stretch>
+        </p:blipFill>
+        <p:spPr>
+          <a:xfrm>
+            <a:off x="1208311" y="1257300"/>
+            <a:ext cx="6727378" cy="3674560"/>
+          </a:xfrm>
+          <a:prstGeom prst="rect">
+            <a:avLst/>
+          </a:prstGeom>
+        </p:spPr>
+      </p:pic>
+    </p:spTree>
+    <p:extLst>
+      <p:ext uri="{BB962C8B-B14F-4D97-AF65-F5344CB8AC3E}">
+        <p14:creationId xmlns:p14="http://schemas.microsoft.com/office/powerpoint/2010/main" val="1183659442"/>
+      </p:ext>
+    </p:extLst>
+  </p:cSld>
+  <p:clrMapOvr>
+    <a:masterClrMapping/>
+  </p:clrMapOvr>
+</p:sld>
+</file>
+
+<file path=ppt/slides/slide13.xml><?xml version="1.0" encoding="utf-8"?>
+<p:sld xmlns:a="http://schemas.openxmlformats.org/drawingml/2006/main" xmlns:r="http://schemas.openxmlformats.org/officeDocument/2006/relationships" xmlns:p="http://schemas.openxmlformats.org/presentationml/2006/main">
+  <p:cSld name="Slide 8">
+    <p:bg>
+      <p:bgPr>
+        <a:solidFill>
+          <a:srgbClr val="0F172A"/>
+        </a:solidFill>
+        <a:effectLst/>
+      </p:bgPr>
+    </p:bg>
+    <p:spTree>
+      <p:nvGrpSpPr>
+        <p:cNvPr id="1" name=""/>
+        <p:cNvGrpSpPr/>
+        <p:nvPr/>
+      </p:nvGrpSpPr>
+      <p:grpSpPr>
+        <a:xfrm>
+          <a:off x="0" y="0"/>
+          <a:ext cx="0" cy="0"/>
+          <a:chOff x="0" y="0"/>
+          <a:chExt cx="0" cy="0"/>
+        </a:xfrm>
+      </p:grpSpPr>
+      <p:sp>
+        <p:nvSpPr>
+          <p:cNvPr id="2" name="Text 0"/>
+          <p:cNvSpPr/>
+          <p:nvPr/>
+        </p:nvSpPr>
+        <p:spPr>
+          <a:xfrm>
+            <a:off x="609575" y="609574"/>
+            <a:ext cx="8083346" cy="411510"/>
+          </a:xfrm>
+          <a:prstGeom prst="rect">
+            <a:avLst/>
+          </a:prstGeom>
+          <a:noFill/>
+          <a:ln/>
+        </p:spPr>
+        <p:txBody>
+          <a:bodyPr wrap="square" lIns="0" tIns="0" rIns="0" bIns="0" rtlCol="0" anchor="t"/>
+          <a:lstStyle/>
+          <a:p>
+            <a:pPr marL="0" indent="0">
+              <a:lnSpc>
+                <a:spcPts val="3240"/>
+              </a:lnSpc>
+              <a:buNone/>
+            </a:pPr>
+            <a:r>
+              <a:rPr lang="en-US" sz="2700" b="1" dirty="0">
+                <a:solidFill>
+                  <a:srgbClr val="38BDF8"/>
+                </a:solidFill>
+                <a:latin typeface="Arial" pitchFamily="34" charset="0"/>
+                <a:ea typeface="Arial" pitchFamily="34" charset="-122"/>
+                <a:cs typeface="Arial" pitchFamily="34" charset="-120"/>
+              </a:rPr>
+              <a:t>Blending &amp; Seam Reduction</a:t>
+            </a:r>
+            <a:endParaRPr lang="en-US" sz="2700" dirty="0"/>
+          </a:p>
+        </p:txBody>
+      </p:sp>
+      <p:sp>
+        <p:nvSpPr>
+          <p:cNvPr id="3" name="Text 1"/>
+          <p:cNvSpPr/>
+          <p:nvPr/>
+        </p:nvSpPr>
+        <p:spPr>
+          <a:xfrm>
+            <a:off x="609575" y="1173384"/>
+            <a:ext cx="8083346" cy="239861"/>
+          </a:xfrm>
+          <a:prstGeom prst="rect">
+            <a:avLst/>
+          </a:prstGeom>
+          <a:noFill/>
+          <a:ln/>
+        </p:spPr>
+        <p:txBody>
+          <a:bodyPr wrap="square" lIns="0" tIns="0" rIns="0" bIns="0" rtlCol="0" anchor="t"/>
+          <a:lstStyle/>
+          <a:p>
+            <a:pPr marL="0" indent="0">
+              <a:lnSpc>
+                <a:spcPts val="1890"/>
+              </a:lnSpc>
+              <a:buNone/>
+            </a:pPr>
+            <a:r>
+              <a:rPr lang="en-US" sz="1350" dirty="0">
+                <a:solidFill>
+                  <a:srgbClr val="CBD5E1"/>
+                </a:solidFill>
+                <a:latin typeface="Arial" pitchFamily="34" charset="0"/>
+                <a:ea typeface="Arial" pitchFamily="34" charset="-122"/>
+                <a:cs typeface="Arial" pitchFamily="34" charset="-120"/>
+              </a:rPr>
+              <a:t>Direct pasting creates visible seams. Solution: feather blending</a:t>
+            </a:r>
+            <a:endParaRPr lang="en-US" sz="1350" dirty="0"/>
+          </a:p>
+        </p:txBody>
+      </p:sp>
+      <p:sp>
+        <p:nvSpPr>
+          <p:cNvPr id="4" name="Text 2"/>
+          <p:cNvSpPr/>
+          <p:nvPr/>
+        </p:nvSpPr>
+        <p:spPr>
+          <a:xfrm>
+            <a:off x="609575" y="1641821"/>
+            <a:ext cx="8083346" cy="237629"/>
+          </a:xfrm>
+          <a:prstGeom prst="rect">
+            <a:avLst/>
+          </a:prstGeom>
+          <a:noFill/>
+          <a:ln/>
+        </p:spPr>
+        <p:txBody>
+          <a:bodyPr wrap="square" lIns="0" tIns="0" rIns="0" bIns="0" rtlCol="0" anchor="t"/>
+          <a:lstStyle/>
+          <a:p>
+            <a:pPr marL="0" indent="0">
+              <a:lnSpc>
+                <a:spcPts val="1872"/>
+              </a:lnSpc>
+              <a:buNone/>
+            </a:pPr>
+            <a:r>
+              <a:rPr lang="en-US" sz="1560" b="1" dirty="0">
+                <a:solidFill>
+                  <a:srgbClr val="38BDF8"/>
+                </a:solidFill>
+                <a:latin typeface="Arial" pitchFamily="34" charset="0"/>
+                <a:ea typeface="Arial" pitchFamily="34" charset="-122"/>
+                <a:cs typeface="Arial" pitchFamily="34" charset="-120"/>
+              </a:rPr>
+              <a:t>Feather Blending Formula</a:t>
+            </a:r>
+            <a:endParaRPr lang="en-US" sz="1560" dirty="0"/>
+          </a:p>
+        </p:txBody>
+      </p:sp>
+      <p:sp>
+        <p:nvSpPr>
+          <p:cNvPr id="5" name="Text 3"/>
+          <p:cNvSpPr/>
+          <p:nvPr/>
+        </p:nvSpPr>
+        <p:spPr>
+          <a:xfrm>
+            <a:off x="609575" y="2001366"/>
+            <a:ext cx="7924849" cy="544463"/>
+          </a:xfrm>
+          <a:prstGeom prst="rect">
+            <a:avLst/>
+          </a:prstGeom>
+          <a:noFill/>
+          <a:ln/>
+        </p:spPr>
+        <p:txBody>
+          <a:bodyPr wrap="square" lIns="0" tIns="0" rIns="0" bIns="0" rtlCol="0" anchor="t"/>
+          <a:lstStyle/>
+          <a:p>
+            <a:pPr marL="0" indent="0">
+              <a:lnSpc>
+                <a:spcPts val="1890"/>
+              </a:lnSpc>
+              <a:buNone/>
+            </a:pPr>
+            <a:r>
+              <a:rPr lang="en-US" sz="1350" dirty="0">
+                <a:solidFill>
+                  <a:srgbClr val="CBD5E1"/>
+                </a:solidFill>
+                <a:latin typeface="monospace" pitchFamily="34" charset="0"/>
+                <a:ea typeface="monospace" pitchFamily="34" charset="-122"/>
+                <a:cs typeface="monospace" pitchFamily="34" charset="-120"/>
+              </a:rPr>
+              <a:t>I(x,y) = α(x,y)·I₂(x,y) + (1−α(x,y))·I₁(x,y)</a:t>
+            </a:r>
+            <a:endParaRPr lang="en-US" sz="1350" dirty="0"/>
+          </a:p>
+        </p:txBody>
+      </p:sp>
+      <p:sp>
+        <p:nvSpPr>
+          <p:cNvPr id="6" name="Text 4"/>
+          <p:cNvSpPr/>
+          <p:nvPr/>
+        </p:nvSpPr>
+        <p:spPr>
+          <a:xfrm>
+            <a:off x="609575" y="2698128"/>
+            <a:ext cx="8083346" cy="239861"/>
+          </a:xfrm>
+          <a:prstGeom prst="rect">
+            <a:avLst/>
+          </a:prstGeom>
+          <a:noFill/>
+          <a:ln/>
+        </p:spPr>
+        <p:txBody>
+          <a:bodyPr wrap="square" lIns="0" tIns="0" rIns="0" bIns="0" rtlCol="0" anchor="t"/>
+          <a:lstStyle/>
+          <a:p>
+            <a:pPr marL="0" indent="0">
+              <a:lnSpc>
+                <a:spcPts val="1890"/>
+              </a:lnSpc>
+              <a:buNone/>
+            </a:pPr>
+            <a:r>
+              <a:rPr lang="en-US" sz="1350" dirty="0">
+                <a:solidFill>
+                  <a:srgbClr val="CBD5E1"/>
+                </a:solidFill>
+                <a:latin typeface="Arial" pitchFamily="34" charset="0"/>
+                <a:ea typeface="Arial" pitchFamily="34" charset="-122"/>
+                <a:cs typeface="Arial" pitchFamily="34" charset="-120"/>
+              </a:rPr>
+              <a:t>α derived using distance transform for smooth weight transitions</a:t>
+            </a:r>
+            <a:endParaRPr lang="en-US" sz="1350" dirty="0"/>
+          </a:p>
+        </p:txBody>
+      </p:sp>
+    </p:spTree>
+  </p:cSld>
+  <p:clrMapOvr>
+    <a:masterClrMapping/>
+  </p:clrMapOvr>
+</p:sld>
+</file>
+
+<file path=ppt/slides/slide14.xml><?xml version="1.0" encoding="utf-8"?>
+<p:sld xmlns:a="http://schemas.openxmlformats.org/drawingml/2006/main" xmlns:r="http://schemas.openxmlformats.org/officeDocument/2006/relationships" xmlns:p="http://schemas.openxmlformats.org/presentationml/2006/main">
+  <p:cSld>
+    <p:bg>
+      <p:bgPr>
+        <a:solidFill>
+          <a:srgbClr val="0F172A"/>
+        </a:solidFill>
+        <a:effectLst/>
+      </p:bgPr>
+    </p:bg>
+    <p:spTree>
+      <p:nvGrpSpPr>
+        <p:cNvPr id="1" name="">
+          <a:extLst>
+            <a:ext uri="{FF2B5EF4-FFF2-40B4-BE49-F238E27FC236}">
+              <a16:creationId xmlns:a16="http://schemas.microsoft.com/office/drawing/2014/main" id="{289BFB1F-1E49-C69A-CB91-57D66CC203AA}"/>
+            </a:ext>
+          </a:extLst>
+        </p:cNvPr>
+        <p:cNvGrpSpPr/>
+        <p:nvPr/>
+      </p:nvGrpSpPr>
+      <p:grpSpPr>
+        <a:xfrm>
+          <a:off x="0" y="0"/>
+          <a:ext cx="0" cy="0"/>
+          <a:chOff x="0" y="0"/>
+          <a:chExt cx="0" cy="0"/>
+        </a:xfrm>
+      </p:grpSpPr>
+      <p:sp>
+        <p:nvSpPr>
+          <p:cNvPr id="2" name="Text 0">
+            <a:extLst>
+              <a:ext uri="{FF2B5EF4-FFF2-40B4-BE49-F238E27FC236}">
+                <a16:creationId xmlns:a16="http://schemas.microsoft.com/office/drawing/2014/main" id="{B458851E-5863-E20A-6271-E55841224C89}"/>
+              </a:ext>
+            </a:extLst>
+          </p:cNvPr>
+          <p:cNvSpPr/>
+          <p:nvPr/>
+        </p:nvSpPr>
+        <p:spPr>
+          <a:xfrm>
+            <a:off x="609575" y="609574"/>
+            <a:ext cx="8083346" cy="411510"/>
+          </a:xfrm>
+          <a:prstGeom prst="rect">
+            <a:avLst/>
+          </a:prstGeom>
+          <a:noFill/>
+          <a:ln/>
+        </p:spPr>
+        <p:txBody>
+          <a:bodyPr wrap="square" lIns="0" tIns="0" rIns="0" bIns="0" rtlCol="0" anchor="t"/>
+          <a:lstStyle/>
+          <a:p>
+            <a:pPr>
+              <a:lnSpc>
+                <a:spcPts val="1872"/>
+              </a:lnSpc>
+            </a:pPr>
+            <a:r>
+              <a:rPr lang="en-US" sz="2800" b="1" dirty="0">
+                <a:solidFill>
+                  <a:srgbClr val="38BDF8"/>
+                </a:solidFill>
+                <a:latin typeface="Arial" pitchFamily="34" charset="0"/>
+                <a:ea typeface="Arial" pitchFamily="34" charset="-122"/>
+                <a:cs typeface="Arial" pitchFamily="34" charset="-120"/>
+              </a:rPr>
+              <a:t>Feather Blending</a:t>
+            </a:r>
+            <a:endParaRPr lang="en-US" sz="2800" dirty="0"/>
+          </a:p>
+        </p:txBody>
+      </p:sp>
+      <p:pic>
+        <p:nvPicPr>
+          <p:cNvPr id="12" name="Picture 11">
+            <a:extLst>
+              <a:ext uri="{FF2B5EF4-FFF2-40B4-BE49-F238E27FC236}">
+                <a16:creationId xmlns:a16="http://schemas.microsoft.com/office/drawing/2014/main" id="{6BFD74C0-3F21-C43B-7D12-3F82957E3EF0}"/>
+              </a:ext>
+            </a:extLst>
+          </p:cNvPr>
+          <p:cNvPicPr>
+            <a:picLocks noChangeAspect="1"/>
+          </p:cNvPicPr>
+          <p:nvPr/>
+        </p:nvPicPr>
+        <p:blipFill>
+          <a:blip r:embed="rId3"/>
+          <a:stretch>
+            <a:fillRect/>
+          </a:stretch>
+        </p:blipFill>
+        <p:spPr>
+          <a:xfrm>
+            <a:off x="2482518" y="1021084"/>
+            <a:ext cx="4337459" cy="3911845"/>
+          </a:xfrm>
+          <a:prstGeom prst="rect">
+            <a:avLst/>
+          </a:prstGeom>
+        </p:spPr>
+      </p:pic>
+    </p:spTree>
+    <p:extLst>
+      <p:ext uri="{BB962C8B-B14F-4D97-AF65-F5344CB8AC3E}">
+        <p14:creationId xmlns:p14="http://schemas.microsoft.com/office/powerpoint/2010/main" val="2875249944"/>
+      </p:ext>
+    </p:extLst>
+  </p:cSld>
+  <p:clrMapOvr>
+    <a:masterClrMapping/>
+  </p:clrMapOvr>
+</p:sld>
+</file>
+
+<file path=ppt/slides/slide15.xml><?xml version="1.0" encoding="utf-8"?>
+<p:sld xmlns:a="http://schemas.openxmlformats.org/drawingml/2006/main" xmlns:r="http://schemas.openxmlformats.org/officeDocument/2006/relationships" xmlns:p="http://schemas.openxmlformats.org/presentationml/2006/main">
+  <p:cSld name="Slide 9">
+    <p:bg>
+      <p:bgPr>
+        <a:solidFill>
+          <a:srgbClr val="0F172A"/>
+        </a:solidFill>
+        <a:effectLst/>
+      </p:bgPr>
+    </p:bg>
+    <p:spTree>
+      <p:nvGrpSpPr>
+        <p:cNvPr id="1" name=""/>
+        <p:cNvGrpSpPr/>
+        <p:nvPr/>
+      </p:nvGrpSpPr>
+      <p:grpSpPr>
+        <a:xfrm>
+          <a:off x="0" y="0"/>
+          <a:ext cx="0" cy="0"/>
+          <a:chOff x="0" y="0"/>
+          <a:chExt cx="0" cy="0"/>
+        </a:xfrm>
+      </p:grpSpPr>
+      <p:sp>
+        <p:nvSpPr>
+          <p:cNvPr id="2" name="Text 0"/>
+          <p:cNvSpPr/>
+          <p:nvPr/>
+        </p:nvSpPr>
+        <p:spPr>
+          <a:xfrm>
+            <a:off x="609575" y="609572"/>
+            <a:ext cx="8083346" cy="411510"/>
+          </a:xfrm>
+          <a:prstGeom prst="rect">
+            <a:avLst/>
+          </a:prstGeom>
+          <a:noFill/>
+          <a:ln/>
+        </p:spPr>
+        <p:txBody>
+          <a:bodyPr wrap="square" lIns="0" tIns="0" rIns="0" bIns="0" rtlCol="0" anchor="t"/>
+          <a:lstStyle/>
+          <a:p>
+            <a:pPr marL="0" indent="0">
+              <a:lnSpc>
+                <a:spcPts val="3240"/>
+              </a:lnSpc>
+              <a:buNone/>
+            </a:pPr>
+            <a:r>
+              <a:rPr lang="en-US" sz="2700" b="1" dirty="0">
+                <a:solidFill>
+                  <a:srgbClr val="38BDF8"/>
+                </a:solidFill>
+                <a:latin typeface="Arial" pitchFamily="34" charset="0"/>
+                <a:ea typeface="Arial" pitchFamily="34" charset="-122"/>
+                <a:cs typeface="Arial" pitchFamily="34" charset="-120"/>
+              </a:rPr>
+              <a:t>Challenges &amp; Solutions</a:t>
+            </a:r>
+            <a:endParaRPr lang="en-US" sz="2700" dirty="0"/>
+          </a:p>
+        </p:txBody>
+      </p:sp>
+      <p:sp>
+        <p:nvSpPr>
+          <p:cNvPr id="3" name="Text 1"/>
+          <p:cNvSpPr/>
+          <p:nvPr/>
+        </p:nvSpPr>
+        <p:spPr>
+          <a:xfrm>
+            <a:off x="609575" y="1173384"/>
+            <a:ext cx="8083346" cy="237629"/>
+          </a:xfrm>
+          <a:prstGeom prst="rect">
+            <a:avLst/>
+          </a:prstGeom>
+          <a:noFill/>
+          <a:ln/>
+        </p:spPr>
+        <p:txBody>
+          <a:bodyPr wrap="square" lIns="0" tIns="0" rIns="0" bIns="0" rtlCol="0" anchor="t"/>
+          <a:lstStyle/>
+          <a:p>
+            <a:pPr marL="0" indent="0">
+              <a:lnSpc>
+                <a:spcPts val="1872"/>
+              </a:lnSpc>
+              <a:buNone/>
+            </a:pPr>
+            <a:r>
+              <a:rPr lang="en-US" sz="1560" b="1" dirty="0">
+                <a:solidFill>
+                  <a:srgbClr val="38BDF8"/>
+                </a:solidFill>
+                <a:latin typeface="Arial" pitchFamily="34" charset="0"/>
+                <a:ea typeface="Arial" pitchFamily="34" charset="-122"/>
+                <a:cs typeface="Arial" pitchFamily="34" charset="-120"/>
+              </a:rPr>
+              <a:t>Homography Sanity Checks</a:t>
+            </a:r>
+            <a:endParaRPr lang="en-US" sz="1560" dirty="0"/>
+          </a:p>
+        </p:txBody>
+      </p:sp>
+      <p:sp>
+        <p:nvSpPr>
+          <p:cNvPr id="4" name="Text 2"/>
+          <p:cNvSpPr/>
+          <p:nvPr/>
+        </p:nvSpPr>
+        <p:spPr>
+          <a:xfrm>
+            <a:off x="914301" y="1532930"/>
+            <a:ext cx="7620124" cy="1153790"/>
+          </a:xfrm>
+          <a:prstGeom prst="rect">
+            <a:avLst/>
+          </a:prstGeom>
+          <a:noFill/>
+          <a:ln/>
+        </p:spPr>
+        <p:txBody>
+          <a:bodyPr wrap="square" lIns="0" tIns="0" rIns="0" bIns="0" rtlCol="0" anchor="t"/>
+          <a:lstStyle/>
+          <a:p>
+            <a:pPr marL="342900" indent="-342900">
+              <a:lnSpc>
+                <a:spcPts val="2430"/>
+              </a:lnSpc>
+              <a:buSzPct val="100000"/>
+              <a:buChar char="•"/>
+            </a:pPr>
+            <a:r>
+              <a:rPr lang="en-US" sz="1350" dirty="0">
+                <a:solidFill>
+                  <a:srgbClr val="CBD5E1"/>
+                </a:solidFill>
+                <a:latin typeface="Arial" pitchFamily="34" charset="0"/>
+                <a:ea typeface="Arial" pitchFamily="34" charset="-122"/>
+                <a:cs typeface="Arial" pitchFamily="34" charset="-120"/>
+              </a:rPr>
+              <a:t>Reject extreme perspective (|H₃₁| or |H₃₂| too large)</a:t>
+            </a:r>
+            <a:endParaRPr lang="en-US" sz="1350" dirty="0"/>
+          </a:p>
+          <a:p>
+            <a:pPr marL="342900" indent="-342900">
+              <a:lnSpc>
+                <a:spcPts val="2430"/>
+              </a:lnSpc>
+              <a:buSzPct val="100000"/>
+              <a:buChar char="•"/>
+            </a:pPr>
+            <a:r>
+              <a:rPr lang="en-US" sz="1350" dirty="0">
+                <a:solidFill>
+                  <a:srgbClr val="CBD5E1"/>
+                </a:solidFill>
+                <a:latin typeface="Arial" pitchFamily="34" charset="0"/>
+                <a:ea typeface="Arial" pitchFamily="34" charset="-122"/>
+                <a:cs typeface="Arial" pitchFamily="34" charset="-120"/>
+              </a:rPr>
+              <a:t>Prevent oversized canvas allocations</a:t>
+            </a:r>
+            <a:endParaRPr lang="en-US" sz="1350" dirty="0"/>
+          </a:p>
+          <a:p>
+            <a:pPr marL="342900" indent="-342900">
+              <a:lnSpc>
+                <a:spcPts val="2430"/>
+              </a:lnSpc>
+              <a:buSzPct val="100000"/>
+              <a:buChar char="•"/>
+            </a:pPr>
+            <a:r>
+              <a:rPr lang="en-US" sz="1350" dirty="0">
+                <a:solidFill>
+                  <a:srgbClr val="CBD5E1"/>
+                </a:solidFill>
+                <a:latin typeface="Arial" pitchFamily="34" charset="0"/>
+                <a:ea typeface="Arial" pitchFamily="34" charset="-122"/>
+                <a:cs typeface="Arial" pitchFamily="34" charset="-120"/>
+              </a:rPr>
+              <a:t>Avoid black wedge artifacts</a:t>
+            </a:r>
+            <a:endParaRPr lang="en-US" sz="1350" dirty="0"/>
+          </a:p>
+        </p:txBody>
+      </p:sp>
+      <p:sp>
+        <p:nvSpPr>
+          <p:cNvPr id="5" name="Text 3"/>
+          <p:cNvSpPr/>
+          <p:nvPr/>
+        </p:nvSpPr>
+        <p:spPr>
+          <a:xfrm>
+            <a:off x="609575" y="2869527"/>
+            <a:ext cx="8083346" cy="237629"/>
+          </a:xfrm>
+          <a:prstGeom prst="rect">
+            <a:avLst/>
+          </a:prstGeom>
+          <a:noFill/>
+          <a:ln/>
+        </p:spPr>
+        <p:txBody>
+          <a:bodyPr wrap="square" lIns="0" tIns="0" rIns="0" bIns="0" rtlCol="0" anchor="t"/>
+          <a:lstStyle/>
+          <a:p>
+            <a:pPr marL="0" indent="0">
+              <a:lnSpc>
+                <a:spcPts val="1872"/>
+              </a:lnSpc>
+              <a:buNone/>
+            </a:pPr>
+            <a:r>
+              <a:rPr lang="en-US" sz="1560" b="1" dirty="0">
+                <a:solidFill>
+                  <a:srgbClr val="38BDF8"/>
+                </a:solidFill>
+                <a:latin typeface="Arial" pitchFamily="34" charset="0"/>
+                <a:ea typeface="Arial" pitchFamily="34" charset="-122"/>
+                <a:cs typeface="Arial" pitchFamily="34" charset="-120"/>
+              </a:rPr>
+              <a:t>Affine Fallback</a:t>
+            </a:r>
+            <a:endParaRPr lang="en-US" sz="1560" dirty="0"/>
+          </a:p>
+        </p:txBody>
+      </p:sp>
+      <p:sp>
+        <p:nvSpPr>
+          <p:cNvPr id="6" name="Text 4"/>
+          <p:cNvSpPr/>
+          <p:nvPr/>
+        </p:nvSpPr>
+        <p:spPr>
+          <a:xfrm>
+            <a:off x="609575" y="3229073"/>
+            <a:ext cx="8083346" cy="239861"/>
+          </a:xfrm>
+          <a:prstGeom prst="rect">
+            <a:avLst/>
+          </a:prstGeom>
+          <a:noFill/>
+          <a:ln/>
+        </p:spPr>
+        <p:txBody>
+          <a:bodyPr wrap="square" lIns="0" tIns="0" rIns="0" bIns="0" rtlCol="0" anchor="t"/>
+          <a:lstStyle/>
+          <a:p>
+            <a:pPr marL="0" indent="0">
+              <a:lnSpc>
+                <a:spcPts val="1890"/>
+              </a:lnSpc>
+              <a:buNone/>
+            </a:pPr>
+            <a:r>
+              <a:rPr lang="en-US" sz="1350" dirty="0">
+                <a:solidFill>
+                  <a:srgbClr val="CBD5E1"/>
+                </a:solidFill>
+                <a:latin typeface="Arial" pitchFamily="34" charset="0"/>
+                <a:ea typeface="Arial" pitchFamily="34" charset="-122"/>
+                <a:cs typeface="Arial" pitchFamily="34" charset="-120"/>
+              </a:rPr>
+              <a:t>When homography fails, use partial affine (rotation + scale + translation)</a:t>
+            </a:r>
+            <a:endParaRPr lang="en-US" sz="1350" dirty="0"/>
+          </a:p>
+        </p:txBody>
+      </p:sp>
+    </p:spTree>
+  </p:cSld>
+  <p:clrMapOvr>
+    <a:masterClrMapping/>
+  </p:clrMapOvr>
+</p:sld>
+</file>
+
+<file path=ppt/slides/slide16.xml><?xml version="1.0" encoding="utf-8"?>
+<p:sld xmlns:a="http://schemas.openxmlformats.org/drawingml/2006/main" xmlns:r="http://schemas.openxmlformats.org/officeDocument/2006/relationships" xmlns:p="http://schemas.openxmlformats.org/presentationml/2006/main">
   <p:cSld name="Slide 10">
     <p:bg>
       <p:bgPr>
@@ -2599,7 +4444,7 @@
 </p:sld>
 </file>
 
-<file path=ppt/slides/slide11.xml><?xml version="1.0" encoding="utf-8"?>
+<file path=ppt/slides/slide17.xml><?xml version="1.0" encoding="utf-8"?>
 <p:sld xmlns:a="http://schemas.openxmlformats.org/drawingml/2006/main" xmlns:r="http://schemas.openxmlformats.org/officeDocument/2006/relationships" xmlns:p="http://schemas.openxmlformats.org/presentationml/2006/main">
   <p:cSld name="Slide 11">
     <p:bg>
@@ -2952,7 +4797,7 @@
 </p:sld>
 </file>
 
-<file path=ppt/slides/slide12.xml><?xml version="1.0" encoding="utf-8"?>
+<file path=ppt/slides/slide18.xml><?xml version="1.0" encoding="utf-8"?>
 <p:sld xmlns:a="http://schemas.openxmlformats.org/drawingml/2006/main" xmlns:r="http://schemas.openxmlformats.org/officeDocument/2006/relationships" xmlns:p="http://schemas.openxmlformats.org/presentationml/2006/main">
   <p:cSld name="Slide 12">
     <p:bg>
@@ -3154,7 +4999,7 @@
 </p:sld>
 </file>
 
-<file path=ppt/slides/slide13.xml><?xml version="1.0" encoding="utf-8"?>
+<file path=ppt/slides/slide19.xml><?xml version="1.0" encoding="utf-8"?>
 <p:sld xmlns:a="http://schemas.openxmlformats.org/drawingml/2006/main" xmlns:r="http://schemas.openxmlformats.org/officeDocument/2006/relationships" xmlns:p="http://schemas.openxmlformats.org/presentationml/2006/main">
   <p:cSld name="Slide 13">
     <p:bg>
@@ -3366,833 +5211,6 @@
               <a:t>Extreme lighting differences</a:t>
             </a:r>
             <a:endParaRPr lang="en-US" sz="1350" dirty="0"/>
-          </a:p>
-        </p:txBody>
-      </p:sp>
-    </p:spTree>
-  </p:cSld>
-  <p:clrMapOvr>
-    <a:masterClrMapping/>
-  </p:clrMapOvr>
-</p:sld>
-</file>
-
-<file path=ppt/slides/slide14.xml><?xml version="1.0" encoding="utf-8"?>
-<p:sld xmlns:a="http://schemas.openxmlformats.org/drawingml/2006/main" xmlns:r="http://schemas.openxmlformats.org/officeDocument/2006/relationships" xmlns:p="http://schemas.openxmlformats.org/presentationml/2006/main">
-  <p:cSld name="Slide 14">
-    <p:bg>
-      <p:bgPr>
-        <a:solidFill>
-          <a:srgbClr val="0F172A"/>
-        </a:solidFill>
-        <a:effectLst/>
-      </p:bgPr>
-    </p:bg>
-    <p:spTree>
-      <p:nvGrpSpPr>
-        <p:cNvPr id="1" name=""/>
-        <p:cNvGrpSpPr/>
-        <p:nvPr/>
-      </p:nvGrpSpPr>
-      <p:grpSpPr>
-        <a:xfrm>
-          <a:off x="0" y="0"/>
-          <a:ext cx="0" cy="0"/>
-          <a:chOff x="0" y="0"/>
-          <a:chExt cx="0" cy="0"/>
-        </a:xfrm>
-      </p:grpSpPr>
-      <p:sp>
-        <p:nvSpPr>
-          <p:cNvPr id="2" name="Text 0"/>
-          <p:cNvSpPr/>
-          <p:nvPr/>
-        </p:nvSpPr>
-        <p:spPr>
-          <a:xfrm>
-            <a:off x="609575" y="609572"/>
-            <a:ext cx="8083346" cy="411510"/>
-          </a:xfrm>
-          <a:prstGeom prst="rect">
-            <a:avLst/>
-          </a:prstGeom>
-          <a:noFill/>
-          <a:ln/>
-        </p:spPr>
-        <p:txBody>
-          <a:bodyPr wrap="square" lIns="0" tIns="0" rIns="0" bIns="0" rtlCol="0" anchor="t"/>
-          <a:lstStyle/>
-          <a:p>
-            <a:pPr marL="0" indent="0">
-              <a:lnSpc>
-                <a:spcPts val="3240"/>
-              </a:lnSpc>
-              <a:buNone/>
-            </a:pPr>
-            <a:r>
-              <a:rPr lang="en-US" sz="2700" b="1" dirty="0">
-                <a:solidFill>
-                  <a:srgbClr val="38BDF8"/>
-                </a:solidFill>
-                <a:latin typeface="Arial" pitchFamily="34" charset="0"/>
-                <a:ea typeface="Arial" pitchFamily="34" charset="-122"/>
-                <a:cs typeface="Arial" pitchFamily="34" charset="-120"/>
-              </a:rPr>
-              <a:t>Evaluation Criteria</a:t>
-            </a:r>
-            <a:endParaRPr lang="en-US" sz="2700" dirty="0"/>
-          </a:p>
-        </p:txBody>
-      </p:sp>
-      <p:sp>
-        <p:nvSpPr>
-          <p:cNvPr id="3" name="Text 1"/>
-          <p:cNvSpPr/>
-          <p:nvPr/>
-        </p:nvSpPr>
-        <p:spPr>
-          <a:xfrm>
-            <a:off x="609575" y="1173384"/>
-            <a:ext cx="8083346" cy="237629"/>
-          </a:xfrm>
-          <a:prstGeom prst="rect">
-            <a:avLst/>
-          </a:prstGeom>
-          <a:noFill/>
-          <a:ln/>
-        </p:spPr>
-        <p:txBody>
-          <a:bodyPr wrap="square" lIns="0" tIns="0" rIns="0" bIns="0" rtlCol="0" anchor="t"/>
-          <a:lstStyle/>
-          <a:p>
-            <a:pPr marL="0" indent="0">
-              <a:lnSpc>
-                <a:spcPts val="1872"/>
-              </a:lnSpc>
-              <a:buNone/>
-            </a:pPr>
-            <a:r>
-              <a:rPr lang="en-US" sz="1560" b="1" dirty="0">
-                <a:solidFill>
-                  <a:srgbClr val="38BDF8"/>
-                </a:solidFill>
-                <a:latin typeface="Arial" pitchFamily="34" charset="0"/>
-                <a:ea typeface="Arial" pitchFamily="34" charset="-122"/>
-                <a:cs typeface="Arial" pitchFamily="34" charset="-120"/>
-              </a:rPr>
-              <a:t>Success Metrics</a:t>
-            </a:r>
-            <a:endParaRPr lang="en-US" sz="1560" dirty="0"/>
-          </a:p>
-        </p:txBody>
-      </p:sp>
-      <p:sp>
-        <p:nvSpPr>
-          <p:cNvPr id="4" name="Text 2"/>
-          <p:cNvSpPr/>
-          <p:nvPr/>
-        </p:nvSpPr>
-        <p:spPr>
-          <a:xfrm>
-            <a:off x="914301" y="1532930"/>
-            <a:ext cx="7620124" cy="1576462"/>
-          </a:xfrm>
-          <a:prstGeom prst="rect">
-            <a:avLst/>
-          </a:prstGeom>
-          <a:noFill/>
-          <a:ln/>
-        </p:spPr>
-        <p:txBody>
-          <a:bodyPr wrap="square" lIns="0" tIns="0" rIns="0" bIns="0" rtlCol="0" anchor="t"/>
-          <a:lstStyle/>
-          <a:p>
-            <a:pPr marL="342900" indent="-342900">
-              <a:lnSpc>
-                <a:spcPts val="2430"/>
-              </a:lnSpc>
-              <a:buSzPct val="100000"/>
-              <a:buChar char="•"/>
-            </a:pPr>
-            <a:r>
-              <a:rPr lang="en-US" sz="1350" dirty="0">
-                <a:solidFill>
-                  <a:srgbClr val="CBD5E1"/>
-                </a:solidFill>
-                <a:latin typeface="Arial" pitchFamily="34" charset="0"/>
-                <a:ea typeface="Arial" pitchFamily="34" charset="-122"/>
-                <a:cs typeface="Arial" pitchFamily="34" charset="-120"/>
-              </a:rPr>
-              <a:t>Visual alignment quality in overlap regions</a:t>
-            </a:r>
-            <a:endParaRPr lang="en-US" sz="1350" dirty="0"/>
-          </a:p>
-          <a:p>
-            <a:pPr marL="342900" indent="-342900">
-              <a:lnSpc>
-                <a:spcPts val="2430"/>
-              </a:lnSpc>
-              <a:buSzPct val="100000"/>
-              <a:buChar char="•"/>
-            </a:pPr>
-            <a:r>
-              <a:rPr lang="en-US" sz="1350" dirty="0">
-                <a:solidFill>
-                  <a:srgbClr val="CBD5E1"/>
-                </a:solidFill>
-                <a:latin typeface="Arial" pitchFamily="34" charset="0"/>
-                <a:ea typeface="Arial" pitchFamily="34" charset="-122"/>
-                <a:cs typeface="Arial" pitchFamily="34" charset="-120"/>
-              </a:rPr>
-              <a:t>Clean seam with minimal visible artifacts</a:t>
-            </a:r>
-            <a:endParaRPr lang="en-US" sz="1350" dirty="0"/>
-          </a:p>
-          <a:p>
-            <a:pPr marL="342900" indent="-342900">
-              <a:lnSpc>
-                <a:spcPts val="2430"/>
-              </a:lnSpc>
-              <a:buSzPct val="100000"/>
-              <a:buChar char="•"/>
-            </a:pPr>
-            <a:r>
-              <a:rPr lang="en-US" sz="1350" dirty="0">
-                <a:solidFill>
-                  <a:srgbClr val="CBD5E1"/>
-                </a:solidFill>
-                <a:latin typeface="Arial" pitchFamily="34" charset="0"/>
-                <a:ea typeface="Arial" pitchFamily="34" charset="-122"/>
-                <a:cs typeface="Arial" pitchFamily="34" charset="-120"/>
-              </a:rPr>
-              <a:t>No memory overflow or crashes</a:t>
-            </a:r>
-            <a:endParaRPr lang="en-US" sz="1350" dirty="0"/>
-          </a:p>
-          <a:p>
-            <a:pPr marL="342900" indent="-342900">
-              <a:lnSpc>
-                <a:spcPts val="2430"/>
-              </a:lnSpc>
-              <a:buSzPct val="100000"/>
-              <a:buChar char="•"/>
-            </a:pPr>
-            <a:r>
-              <a:rPr lang="en-US" sz="1350" dirty="0">
-                <a:solidFill>
-                  <a:srgbClr val="CBD5E1"/>
-                </a:solidFill>
-                <a:latin typeface="Arial" pitchFamily="34" charset="0"/>
-                <a:ea typeface="Arial" pitchFamily="34" charset="-122"/>
-                <a:cs typeface="Arial" pitchFamily="34" charset="-120"/>
-              </a:rPr>
-              <a:t>High inlier ratio from feature matching</a:t>
-            </a:r>
-            <a:endParaRPr lang="en-US" sz="1350" dirty="0"/>
-          </a:p>
-        </p:txBody>
-      </p:sp>
-      <p:sp>
-        <p:nvSpPr>
-          <p:cNvPr id="5" name="Text 3"/>
-          <p:cNvSpPr/>
-          <p:nvPr/>
-        </p:nvSpPr>
-        <p:spPr>
-          <a:xfrm>
-            <a:off x="609575" y="3292199"/>
-            <a:ext cx="8083346" cy="237629"/>
-          </a:xfrm>
-          <a:prstGeom prst="rect">
-            <a:avLst/>
-          </a:prstGeom>
-          <a:noFill/>
-          <a:ln/>
-        </p:spPr>
-        <p:txBody>
-          <a:bodyPr wrap="square" lIns="0" tIns="0" rIns="0" bIns="0" rtlCol="0" anchor="t"/>
-          <a:lstStyle/>
-          <a:p>
-            <a:pPr marL="0" indent="0">
-              <a:lnSpc>
-                <a:spcPts val="1872"/>
-              </a:lnSpc>
-              <a:buNone/>
-            </a:pPr>
-            <a:r>
-              <a:rPr lang="en-US" sz="1560" b="1" dirty="0">
-                <a:solidFill>
-                  <a:srgbClr val="38BDF8"/>
-                </a:solidFill>
-                <a:latin typeface="Arial" pitchFamily="34" charset="0"/>
-                <a:ea typeface="Arial" pitchFamily="34" charset="-122"/>
-                <a:cs typeface="Arial" pitchFamily="34" charset="-120"/>
-              </a:rPr>
-              <a:t>Output Quality</a:t>
-            </a:r>
-            <a:endParaRPr lang="en-US" sz="1560" dirty="0"/>
-          </a:p>
-        </p:txBody>
-      </p:sp>
-      <p:sp>
-        <p:nvSpPr>
-          <p:cNvPr id="6" name="Text 4"/>
-          <p:cNvSpPr/>
-          <p:nvPr/>
-        </p:nvSpPr>
-        <p:spPr>
-          <a:xfrm>
-            <a:off x="609575" y="3651745"/>
-            <a:ext cx="8083346" cy="239861"/>
-          </a:xfrm>
-          <a:prstGeom prst="rect">
-            <a:avLst/>
-          </a:prstGeom>
-          <a:noFill/>
-          <a:ln/>
-        </p:spPr>
-        <p:txBody>
-          <a:bodyPr wrap="square" lIns="0" tIns="0" rIns="0" bIns="0" rtlCol="0" anchor="t"/>
-          <a:lstStyle/>
-          <a:p>
-            <a:pPr marL="0" indent="0">
-              <a:lnSpc>
-                <a:spcPts val="1890"/>
-              </a:lnSpc>
-              <a:buNone/>
-            </a:pPr>
-            <a:r>
-              <a:rPr lang="en-US" sz="1350" dirty="0">
-                <a:solidFill>
-                  <a:srgbClr val="CBD5E1"/>
-                </a:solidFill>
-                <a:latin typeface="Arial" pitchFamily="34" charset="0"/>
-                <a:ea typeface="Arial" pitchFamily="34" charset="-122"/>
-                <a:cs typeface="Arial" pitchFamily="34" charset="-120"/>
-              </a:rPr>
-              <a:t>Produces coherent panoramas with automatic black border removal</a:t>
-            </a:r>
-            <a:endParaRPr lang="en-US" sz="1350" dirty="0"/>
-          </a:p>
-        </p:txBody>
-      </p:sp>
-    </p:spTree>
-  </p:cSld>
-  <p:clrMapOvr>
-    <a:masterClrMapping/>
-  </p:clrMapOvr>
-</p:sld>
-</file>
-
-<file path=ppt/slides/slide15.xml><?xml version="1.0" encoding="utf-8"?>
-<p:sld xmlns:a="http://schemas.openxmlformats.org/drawingml/2006/main" xmlns:r="http://schemas.openxmlformats.org/officeDocument/2006/relationships" xmlns:p="http://schemas.openxmlformats.org/presentationml/2006/main">
-  <p:cSld name="Slide 15">
-    <p:bg>
-      <p:bgPr>
-        <a:solidFill>
-          <a:srgbClr val="0F172A"/>
-        </a:solidFill>
-        <a:effectLst/>
-      </p:bgPr>
-    </p:bg>
-    <p:spTree>
-      <p:nvGrpSpPr>
-        <p:cNvPr id="1" name=""/>
-        <p:cNvGrpSpPr/>
-        <p:nvPr/>
-      </p:nvGrpSpPr>
-      <p:grpSpPr>
-        <a:xfrm>
-          <a:off x="0" y="0"/>
-          <a:ext cx="0" cy="0"/>
-          <a:chOff x="0" y="0"/>
-          <a:chExt cx="0" cy="0"/>
-        </a:xfrm>
-      </p:grpSpPr>
-      <p:sp>
-        <p:nvSpPr>
-          <p:cNvPr id="2" name="Text 0"/>
-          <p:cNvSpPr/>
-          <p:nvPr/>
-        </p:nvSpPr>
-        <p:spPr>
-          <a:xfrm>
-            <a:off x="609575" y="609572"/>
-            <a:ext cx="8083346" cy="411510"/>
-          </a:xfrm>
-          <a:prstGeom prst="rect">
-            <a:avLst/>
-          </a:prstGeom>
-          <a:noFill/>
-          <a:ln/>
-        </p:spPr>
-        <p:txBody>
-          <a:bodyPr wrap="square" lIns="0" tIns="0" rIns="0" bIns="0" rtlCol="0" anchor="t"/>
-          <a:lstStyle/>
-          <a:p>
-            <a:pPr marL="0" indent="0">
-              <a:lnSpc>
-                <a:spcPts val="3240"/>
-              </a:lnSpc>
-              <a:buNone/>
-            </a:pPr>
-            <a:r>
-              <a:rPr lang="en-US" sz="2700" b="1" dirty="0">
-                <a:solidFill>
-                  <a:srgbClr val="38BDF8"/>
-                </a:solidFill>
-                <a:latin typeface="Arial" pitchFamily="34" charset="0"/>
-                <a:ea typeface="Arial" pitchFamily="34" charset="-122"/>
-                <a:cs typeface="Arial" pitchFamily="34" charset="-120"/>
-              </a:rPr>
-              <a:t>Future Enhancements</a:t>
-            </a:r>
-            <a:endParaRPr lang="en-US" sz="2700" dirty="0"/>
-          </a:p>
-        </p:txBody>
-      </p:sp>
-      <p:sp>
-        <p:nvSpPr>
-          <p:cNvPr id="3" name="Text 1"/>
-          <p:cNvSpPr/>
-          <p:nvPr/>
-        </p:nvSpPr>
-        <p:spPr>
-          <a:xfrm>
-            <a:off x="914301" y="1173384"/>
-            <a:ext cx="7620124" cy="1999134"/>
-          </a:xfrm>
-          <a:prstGeom prst="rect">
-            <a:avLst/>
-          </a:prstGeom>
-          <a:noFill/>
-          <a:ln/>
-        </p:spPr>
-        <p:txBody>
-          <a:bodyPr wrap="square" lIns="0" tIns="0" rIns="0" bIns="0" rtlCol="0" anchor="t"/>
-          <a:lstStyle/>
-          <a:p>
-            <a:pPr marL="342900" indent="-342900">
-              <a:lnSpc>
-                <a:spcPts val="2430"/>
-              </a:lnSpc>
-              <a:buSzPct val="100000"/>
-              <a:buChar char="•"/>
-            </a:pPr>
-            <a:r>
-              <a:rPr lang="en-US" sz="1350" dirty="0">
-                <a:solidFill>
-                  <a:srgbClr val="CBD5E1"/>
-                </a:solidFill>
-                <a:latin typeface="Arial" pitchFamily="34" charset="0"/>
-                <a:ea typeface="Arial" pitchFamily="34" charset="-122"/>
-                <a:cs typeface="Arial" pitchFamily="34" charset="-120"/>
-              </a:rPr>
-              <a:t>Multiband blending for improved color consistency</a:t>
-            </a:r>
-            <a:endParaRPr lang="en-US" sz="1350" dirty="0"/>
-          </a:p>
-          <a:p>
-            <a:pPr marL="342900" indent="-342900">
-              <a:lnSpc>
-                <a:spcPts val="2430"/>
-              </a:lnSpc>
-              <a:buSzPct val="100000"/>
-              <a:buChar char="•"/>
-            </a:pPr>
-            <a:r>
-              <a:rPr lang="en-US" sz="1350" dirty="0">
-                <a:solidFill>
-                  <a:srgbClr val="CBD5E1"/>
-                </a:solidFill>
-                <a:latin typeface="Arial" pitchFamily="34" charset="0"/>
-                <a:ea typeface="Arial" pitchFamily="34" charset="-122"/>
-                <a:cs typeface="Arial" pitchFamily="34" charset="-120"/>
-              </a:rPr>
-              <a:t>Automatic exposure compensation across images</a:t>
-            </a:r>
-            <a:endParaRPr lang="en-US" sz="1350" dirty="0"/>
-          </a:p>
-          <a:p>
-            <a:pPr marL="342900" indent="-342900">
-              <a:lnSpc>
-                <a:spcPts val="2430"/>
-              </a:lnSpc>
-              <a:buSzPct val="100000"/>
-              <a:buChar char="•"/>
-            </a:pPr>
-            <a:r>
-              <a:rPr lang="en-US" sz="1350" dirty="0">
-                <a:solidFill>
-                  <a:srgbClr val="CBD5E1"/>
-                </a:solidFill>
-                <a:latin typeface="Arial" pitchFamily="34" charset="0"/>
-                <a:ea typeface="Arial" pitchFamily="34" charset="-122"/>
-                <a:cs typeface="Arial" pitchFamily="34" charset="-120"/>
-              </a:rPr>
-              <a:t>Global optimization (bundle adjustment) to reduce drift</a:t>
-            </a:r>
-            <a:endParaRPr lang="en-US" sz="1350" dirty="0"/>
-          </a:p>
-          <a:p>
-            <a:pPr marL="342900" indent="-342900">
-              <a:lnSpc>
-                <a:spcPts val="2430"/>
-              </a:lnSpc>
-              <a:buSzPct val="100000"/>
-              <a:buChar char="•"/>
-            </a:pPr>
-            <a:r>
-              <a:rPr lang="en-US" sz="1350" dirty="0">
-                <a:solidFill>
-                  <a:srgbClr val="CBD5E1"/>
-                </a:solidFill>
-                <a:latin typeface="Arial" pitchFamily="34" charset="0"/>
-                <a:ea typeface="Arial" pitchFamily="34" charset="-122"/>
-                <a:cs typeface="Arial" pitchFamily="34" charset="-120"/>
-              </a:rPr>
-              <a:t>Real-time GPU acceleration for large image sets</a:t>
-            </a:r>
-            <a:endParaRPr lang="en-US" sz="1350" dirty="0"/>
-          </a:p>
-          <a:p>
-            <a:pPr marL="342900" indent="-342900">
-              <a:lnSpc>
-                <a:spcPts val="2430"/>
-              </a:lnSpc>
-              <a:buSzPct val="100000"/>
-              <a:buChar char="•"/>
-            </a:pPr>
-            <a:r>
-              <a:rPr lang="en-US" sz="1350" dirty="0">
-                <a:solidFill>
-                  <a:srgbClr val="CBD5E1"/>
-                </a:solidFill>
-                <a:latin typeface="Arial" pitchFamily="34" charset="0"/>
-                <a:ea typeface="Arial" pitchFamily="34" charset="-122"/>
-                <a:cs typeface="Arial" pitchFamily="34" charset="-120"/>
-              </a:rPr>
-              <a:t>Machine learning-based seam detection</a:t>
-            </a:r>
-            <a:endParaRPr lang="en-US" sz="1350" dirty="0"/>
-          </a:p>
-        </p:txBody>
-      </p:sp>
-    </p:spTree>
-  </p:cSld>
-  <p:clrMapOvr>
-    <a:masterClrMapping/>
-  </p:clrMapOvr>
-</p:sld>
-</file>
-
-<file path=ppt/slides/slide16.xml><?xml version="1.0" encoding="utf-8"?>
-<p:sld xmlns:a="http://schemas.openxmlformats.org/drawingml/2006/main" xmlns:r="http://schemas.openxmlformats.org/officeDocument/2006/relationships" xmlns:p="http://schemas.openxmlformats.org/presentationml/2006/main">
-  <p:cSld name="Slide 16">
-    <p:bg>
-      <p:bgPr>
-        <a:solidFill>
-          <a:srgbClr val="020617"/>
-        </a:solidFill>
-        <a:effectLst/>
-      </p:bgPr>
-    </p:bg>
-    <p:spTree>
-      <p:nvGrpSpPr>
-        <p:cNvPr id="1" name=""/>
-        <p:cNvGrpSpPr/>
-        <p:nvPr/>
-      </p:nvGrpSpPr>
-      <p:grpSpPr>
-        <a:xfrm>
-          <a:off x="0" y="0"/>
-          <a:ext cx="0" cy="0"/>
-          <a:chOff x="0" y="0"/>
-          <a:chExt cx="0" cy="0"/>
-        </a:xfrm>
-      </p:grpSpPr>
-      <p:sp>
-        <p:nvSpPr>
-          <p:cNvPr id="2" name="Text 0"/>
-          <p:cNvSpPr/>
-          <p:nvPr/>
-        </p:nvSpPr>
-        <p:spPr>
-          <a:xfrm>
-            <a:off x="3774900" y="1712761"/>
-            <a:ext cx="1594076" cy="411510"/>
-          </a:xfrm>
-          <a:prstGeom prst="rect">
-            <a:avLst/>
-          </a:prstGeom>
-          <a:noFill/>
-          <a:ln/>
-        </p:spPr>
-        <p:txBody>
-          <a:bodyPr wrap="square" lIns="0" tIns="0" rIns="0" bIns="0" rtlCol="0" anchor="t"/>
-          <a:lstStyle/>
-          <a:p>
-            <a:pPr marL="0" indent="0" algn="ctr">
-              <a:lnSpc>
-                <a:spcPts val="3240"/>
-              </a:lnSpc>
-              <a:buNone/>
-            </a:pPr>
-            <a:r>
-              <a:rPr lang="en-US" sz="2700" b="1" dirty="0">
-                <a:solidFill>
-                  <a:srgbClr val="38BDF8"/>
-                </a:solidFill>
-                <a:latin typeface="Arial" pitchFamily="34" charset="0"/>
-                <a:ea typeface="Arial" pitchFamily="34" charset="-122"/>
-                <a:cs typeface="Arial" pitchFamily="34" charset="-120"/>
-              </a:rPr>
-              <a:t>Summary</a:t>
-            </a:r>
-            <a:endParaRPr lang="en-US" sz="2700" dirty="0"/>
-          </a:p>
-        </p:txBody>
-      </p:sp>
-      <p:sp>
-        <p:nvSpPr>
-          <p:cNvPr id="3" name="Text 1"/>
-          <p:cNvSpPr/>
-          <p:nvPr/>
-        </p:nvSpPr>
-        <p:spPr>
-          <a:xfrm>
-            <a:off x="609575" y="2352842"/>
-            <a:ext cx="7924849" cy="533301"/>
-          </a:xfrm>
-          <a:prstGeom prst="rect">
-            <a:avLst/>
-          </a:prstGeom>
-          <a:noFill/>
-          <a:ln/>
-        </p:spPr>
-        <p:txBody>
-          <a:bodyPr wrap="square" lIns="0" tIns="0" rIns="0" bIns="0" rtlCol="0" anchor="t"/>
-          <a:lstStyle/>
-          <a:p>
-            <a:pPr marL="0" indent="0" algn="ctr">
-              <a:lnSpc>
-                <a:spcPts val="2100"/>
-              </a:lnSpc>
-              <a:buNone/>
-            </a:pPr>
-            <a:r>
-              <a:rPr lang="en-US" sz="1500" dirty="0">
-                <a:solidFill>
-                  <a:srgbClr val="CBD5E1"/>
-                </a:solidFill>
-                <a:latin typeface="Arial" pitchFamily="34" charset="0"/>
-                <a:ea typeface="Arial" pitchFamily="34" charset="-122"/>
-                <a:cs typeface="Arial" pitchFamily="34" charset="-120"/>
-              </a:rPr>
-              <a:t>A complete feature-based panorama stitching system combining robust feature detection, intelligent matching, and practical robustness mechanisms</a:t>
-            </a:r>
-            <a:endParaRPr lang="en-US" sz="1500" dirty="0"/>
-          </a:p>
-        </p:txBody>
-      </p:sp>
-      <p:sp>
-        <p:nvSpPr>
-          <p:cNvPr id="4" name="Text 2"/>
-          <p:cNvSpPr/>
-          <p:nvPr/>
-        </p:nvSpPr>
-        <p:spPr>
-          <a:xfrm>
-            <a:off x="1009397" y="3190875"/>
-            <a:ext cx="7125206" cy="239861"/>
-          </a:xfrm>
-          <a:prstGeom prst="rect">
-            <a:avLst/>
-          </a:prstGeom>
-          <a:noFill/>
-          <a:ln/>
-        </p:spPr>
-        <p:txBody>
-          <a:bodyPr wrap="square" lIns="0" tIns="0" rIns="0" bIns="0" rtlCol="0" anchor="t"/>
-          <a:lstStyle/>
-          <a:p>
-            <a:pPr marL="0" indent="0" algn="ctr">
-              <a:lnSpc>
-                <a:spcPts val="1890"/>
-              </a:lnSpc>
-              <a:buNone/>
-            </a:pPr>
-            <a:r>
-              <a:rPr lang="en-US" sz="1350" dirty="0">
-                <a:solidFill>
-                  <a:srgbClr val="CBD5E1"/>
-                </a:solidFill>
-                <a:latin typeface="Arial" pitchFamily="34" charset="0"/>
-                <a:ea typeface="Arial" pitchFamily="34" charset="-122"/>
-                <a:cs typeface="Arial" pitchFamily="34" charset="-120"/>
-              </a:rPr>
-              <a:t>Delivering high-quality panoramas with diagnostic tools for success and failure interpretation</a:t>
-            </a:r>
-            <a:endParaRPr lang="en-US" sz="1350" dirty="0"/>
-          </a:p>
-        </p:txBody>
-      </p:sp>
-    </p:spTree>
-  </p:cSld>
-  <p:clrMapOvr>
-    <a:masterClrMapping/>
-  </p:clrMapOvr>
-</p:sld>
-</file>
-
-<file path=ppt/slides/slide17.xml><?xml version="1.0" encoding="utf-8"?>
-<p:sld xmlns:a="http://schemas.openxmlformats.org/drawingml/2006/main" xmlns:r="http://schemas.openxmlformats.org/officeDocument/2006/relationships" xmlns:p="http://schemas.openxmlformats.org/presentationml/2006/main">
-  <p:cSld name="Slide 17">
-    <p:bg>
-      <p:bgPr>
-        <a:solidFill>
-          <a:srgbClr val="020617"/>
-        </a:solidFill>
-        <a:effectLst/>
-      </p:bgPr>
-    </p:bg>
-    <p:spTree>
-      <p:nvGrpSpPr>
-        <p:cNvPr id="1" name=""/>
-        <p:cNvGrpSpPr/>
-        <p:nvPr/>
-      </p:nvGrpSpPr>
-      <p:grpSpPr>
-        <a:xfrm>
-          <a:off x="0" y="0"/>
-          <a:ext cx="0" cy="0"/>
-          <a:chOff x="0" y="0"/>
-          <a:chExt cx="0" cy="0"/>
-        </a:xfrm>
-      </p:grpSpPr>
-      <p:sp>
-        <p:nvSpPr>
-          <p:cNvPr id="2" name="Text 0"/>
-          <p:cNvSpPr/>
-          <p:nvPr/>
-        </p:nvSpPr>
-        <p:spPr>
-          <a:xfrm>
-            <a:off x="3324039" y="1804169"/>
-            <a:ext cx="2495922" cy="548556"/>
-          </a:xfrm>
-          <a:prstGeom prst="rect">
-            <a:avLst/>
-          </a:prstGeom>
-          <a:noFill/>
-          <a:ln/>
-        </p:spPr>
-        <p:txBody>
-          <a:bodyPr wrap="square" lIns="0" tIns="0" rIns="0" bIns="0" rtlCol="0" anchor="t"/>
-          <a:lstStyle/>
-          <a:p>
-            <a:pPr marL="0" indent="0" algn="ctr">
-              <a:lnSpc>
-                <a:spcPts val="4320"/>
-              </a:lnSpc>
-              <a:buNone/>
-            </a:pPr>
-            <a:r>
-              <a:rPr lang="en-US" sz="3600" b="1" dirty="0">
-                <a:solidFill>
-                  <a:srgbClr val="38BDF8"/>
-                </a:solidFill>
-                <a:latin typeface="Arial" pitchFamily="34" charset="0"/>
-                <a:ea typeface="Arial" pitchFamily="34" charset="-122"/>
-                <a:cs typeface="Arial" pitchFamily="34" charset="-120"/>
-              </a:rPr>
-              <a:t>Thank You!</a:t>
-            </a:r>
-            <a:endParaRPr lang="en-US" sz="3600" dirty="0"/>
-          </a:p>
-        </p:txBody>
-      </p:sp>
-      <p:sp>
-        <p:nvSpPr>
-          <p:cNvPr id="3" name="Text 1"/>
-          <p:cNvSpPr/>
-          <p:nvPr/>
-        </p:nvSpPr>
-        <p:spPr>
-          <a:xfrm>
-            <a:off x="4080532" y="2581294"/>
-            <a:ext cx="982935" cy="266650"/>
-          </a:xfrm>
-          <a:prstGeom prst="rect">
-            <a:avLst/>
-          </a:prstGeom>
-          <a:noFill/>
-          <a:ln/>
-        </p:spPr>
-        <p:txBody>
-          <a:bodyPr wrap="square" lIns="0" tIns="0" rIns="0" bIns="0" rtlCol="0" anchor="t"/>
-          <a:lstStyle/>
-          <a:p>
-            <a:pPr marL="0" indent="0" algn="ctr">
-              <a:lnSpc>
-                <a:spcPts val="2100"/>
-              </a:lnSpc>
-              <a:buNone/>
-            </a:pPr>
-            <a:r>
-              <a:rPr lang="en-US" sz="1500" dirty="0">
-                <a:solidFill>
-                  <a:srgbClr val="CBD5E1"/>
-                </a:solidFill>
-                <a:latin typeface="Arial" pitchFamily="34" charset="0"/>
-                <a:ea typeface="Arial" pitchFamily="34" charset="-122"/>
-                <a:cs typeface="Arial" pitchFamily="34" charset="-120"/>
-              </a:rPr>
-              <a:t>Questions?</a:t>
-            </a:r>
-            <a:endParaRPr lang="en-US" sz="1500" dirty="0"/>
-          </a:p>
-        </p:txBody>
-      </p:sp>
-      <p:sp>
-        <p:nvSpPr>
-          <p:cNvPr id="4" name="Text 2"/>
-          <p:cNvSpPr/>
-          <p:nvPr/>
-        </p:nvSpPr>
-        <p:spPr>
-          <a:xfrm>
-            <a:off x="2922768" y="3152673"/>
-            <a:ext cx="3298463" cy="186655"/>
-          </a:xfrm>
-          <a:prstGeom prst="rect">
-            <a:avLst/>
-          </a:prstGeom>
-          <a:noFill/>
-          <a:ln/>
-        </p:spPr>
-        <p:txBody>
-          <a:bodyPr wrap="square" lIns="0" tIns="0" rIns="0" bIns="0" rtlCol="0" anchor="t"/>
-          <a:lstStyle/>
-          <a:p>
-            <a:pPr marL="0" indent="0" algn="ctr">
-              <a:lnSpc>
-                <a:spcPts val="1470"/>
-              </a:lnSpc>
-              <a:buNone/>
-            </a:pPr>
-            <a:r>
-              <a:rPr lang="en-US" sz="1050" dirty="0">
-                <a:solidFill>
-                  <a:srgbClr val="94A3B8"/>
-                </a:solidFill>
-                <a:latin typeface="Arial" pitchFamily="34" charset="0"/>
-                <a:ea typeface="Arial" pitchFamily="34" charset="-122"/>
-                <a:cs typeface="Arial" pitchFamily="34" charset="-120"/>
-              </a:rPr>
-              <a:t>Digital Image Processing Project • Panoramic Stitching</a:t>
-            </a:r>
-            <a:endParaRPr lang="en-US" sz="1050" dirty="0"/>
           </a:p>
         </p:txBody>
       </p:sp>
@@ -4522,6 +5540,833 @@
               <a:t>Seamless blending across overlaps</a:t>
             </a:r>
             <a:endParaRPr lang="en-US" sz="1350" dirty="0"/>
+          </a:p>
+        </p:txBody>
+      </p:sp>
+    </p:spTree>
+  </p:cSld>
+  <p:clrMapOvr>
+    <a:masterClrMapping/>
+  </p:clrMapOvr>
+</p:sld>
+</file>
+
+<file path=ppt/slides/slide20.xml><?xml version="1.0" encoding="utf-8"?>
+<p:sld xmlns:a="http://schemas.openxmlformats.org/drawingml/2006/main" xmlns:r="http://schemas.openxmlformats.org/officeDocument/2006/relationships" xmlns:p="http://schemas.openxmlformats.org/presentationml/2006/main">
+  <p:cSld name="Slide 14">
+    <p:bg>
+      <p:bgPr>
+        <a:solidFill>
+          <a:srgbClr val="0F172A"/>
+        </a:solidFill>
+        <a:effectLst/>
+      </p:bgPr>
+    </p:bg>
+    <p:spTree>
+      <p:nvGrpSpPr>
+        <p:cNvPr id="1" name=""/>
+        <p:cNvGrpSpPr/>
+        <p:nvPr/>
+      </p:nvGrpSpPr>
+      <p:grpSpPr>
+        <a:xfrm>
+          <a:off x="0" y="0"/>
+          <a:ext cx="0" cy="0"/>
+          <a:chOff x="0" y="0"/>
+          <a:chExt cx="0" cy="0"/>
+        </a:xfrm>
+      </p:grpSpPr>
+      <p:sp>
+        <p:nvSpPr>
+          <p:cNvPr id="2" name="Text 0"/>
+          <p:cNvSpPr/>
+          <p:nvPr/>
+        </p:nvSpPr>
+        <p:spPr>
+          <a:xfrm>
+            <a:off x="609575" y="609572"/>
+            <a:ext cx="8083346" cy="411510"/>
+          </a:xfrm>
+          <a:prstGeom prst="rect">
+            <a:avLst/>
+          </a:prstGeom>
+          <a:noFill/>
+          <a:ln/>
+        </p:spPr>
+        <p:txBody>
+          <a:bodyPr wrap="square" lIns="0" tIns="0" rIns="0" bIns="0" rtlCol="0" anchor="t"/>
+          <a:lstStyle/>
+          <a:p>
+            <a:pPr marL="0" indent="0">
+              <a:lnSpc>
+                <a:spcPts val="3240"/>
+              </a:lnSpc>
+              <a:buNone/>
+            </a:pPr>
+            <a:r>
+              <a:rPr lang="en-US" sz="2700" b="1" dirty="0">
+                <a:solidFill>
+                  <a:srgbClr val="38BDF8"/>
+                </a:solidFill>
+                <a:latin typeface="Arial" pitchFamily="34" charset="0"/>
+                <a:ea typeface="Arial" pitchFamily="34" charset="-122"/>
+                <a:cs typeface="Arial" pitchFamily="34" charset="-120"/>
+              </a:rPr>
+              <a:t>Evaluation Criteria</a:t>
+            </a:r>
+            <a:endParaRPr lang="en-US" sz="2700" dirty="0"/>
+          </a:p>
+        </p:txBody>
+      </p:sp>
+      <p:sp>
+        <p:nvSpPr>
+          <p:cNvPr id="3" name="Text 1"/>
+          <p:cNvSpPr/>
+          <p:nvPr/>
+        </p:nvSpPr>
+        <p:spPr>
+          <a:xfrm>
+            <a:off x="609575" y="1173384"/>
+            <a:ext cx="8083346" cy="237629"/>
+          </a:xfrm>
+          <a:prstGeom prst="rect">
+            <a:avLst/>
+          </a:prstGeom>
+          <a:noFill/>
+          <a:ln/>
+        </p:spPr>
+        <p:txBody>
+          <a:bodyPr wrap="square" lIns="0" tIns="0" rIns="0" bIns="0" rtlCol="0" anchor="t"/>
+          <a:lstStyle/>
+          <a:p>
+            <a:pPr marL="0" indent="0">
+              <a:lnSpc>
+                <a:spcPts val="1872"/>
+              </a:lnSpc>
+              <a:buNone/>
+            </a:pPr>
+            <a:r>
+              <a:rPr lang="en-US" sz="1560" b="1" dirty="0">
+                <a:solidFill>
+                  <a:srgbClr val="38BDF8"/>
+                </a:solidFill>
+                <a:latin typeface="Arial" pitchFamily="34" charset="0"/>
+                <a:ea typeface="Arial" pitchFamily="34" charset="-122"/>
+                <a:cs typeface="Arial" pitchFamily="34" charset="-120"/>
+              </a:rPr>
+              <a:t>Success Metrics</a:t>
+            </a:r>
+            <a:endParaRPr lang="en-US" sz="1560" dirty="0"/>
+          </a:p>
+        </p:txBody>
+      </p:sp>
+      <p:sp>
+        <p:nvSpPr>
+          <p:cNvPr id="4" name="Text 2"/>
+          <p:cNvSpPr/>
+          <p:nvPr/>
+        </p:nvSpPr>
+        <p:spPr>
+          <a:xfrm>
+            <a:off x="914301" y="1532930"/>
+            <a:ext cx="7620124" cy="1576462"/>
+          </a:xfrm>
+          <a:prstGeom prst="rect">
+            <a:avLst/>
+          </a:prstGeom>
+          <a:noFill/>
+          <a:ln/>
+        </p:spPr>
+        <p:txBody>
+          <a:bodyPr wrap="square" lIns="0" tIns="0" rIns="0" bIns="0" rtlCol="0" anchor="t"/>
+          <a:lstStyle/>
+          <a:p>
+            <a:pPr marL="342900" indent="-342900">
+              <a:lnSpc>
+                <a:spcPts val="2430"/>
+              </a:lnSpc>
+              <a:buSzPct val="100000"/>
+              <a:buChar char="•"/>
+            </a:pPr>
+            <a:r>
+              <a:rPr lang="en-US" sz="1350" dirty="0">
+                <a:solidFill>
+                  <a:srgbClr val="CBD5E1"/>
+                </a:solidFill>
+                <a:latin typeface="Arial" pitchFamily="34" charset="0"/>
+                <a:ea typeface="Arial" pitchFamily="34" charset="-122"/>
+                <a:cs typeface="Arial" pitchFamily="34" charset="-120"/>
+              </a:rPr>
+              <a:t>Visual alignment quality in overlap regions</a:t>
+            </a:r>
+            <a:endParaRPr lang="en-US" sz="1350" dirty="0"/>
+          </a:p>
+          <a:p>
+            <a:pPr marL="342900" indent="-342900">
+              <a:lnSpc>
+                <a:spcPts val="2430"/>
+              </a:lnSpc>
+              <a:buSzPct val="100000"/>
+              <a:buChar char="•"/>
+            </a:pPr>
+            <a:r>
+              <a:rPr lang="en-US" sz="1350" dirty="0">
+                <a:solidFill>
+                  <a:srgbClr val="CBD5E1"/>
+                </a:solidFill>
+                <a:latin typeface="Arial" pitchFamily="34" charset="0"/>
+                <a:ea typeface="Arial" pitchFamily="34" charset="-122"/>
+                <a:cs typeface="Arial" pitchFamily="34" charset="-120"/>
+              </a:rPr>
+              <a:t>Clean seam with minimal visible artifacts</a:t>
+            </a:r>
+            <a:endParaRPr lang="en-US" sz="1350" dirty="0"/>
+          </a:p>
+          <a:p>
+            <a:pPr marL="342900" indent="-342900">
+              <a:lnSpc>
+                <a:spcPts val="2430"/>
+              </a:lnSpc>
+              <a:buSzPct val="100000"/>
+              <a:buChar char="•"/>
+            </a:pPr>
+            <a:r>
+              <a:rPr lang="en-US" sz="1350" dirty="0">
+                <a:solidFill>
+                  <a:srgbClr val="CBD5E1"/>
+                </a:solidFill>
+                <a:latin typeface="Arial" pitchFamily="34" charset="0"/>
+                <a:ea typeface="Arial" pitchFamily="34" charset="-122"/>
+                <a:cs typeface="Arial" pitchFamily="34" charset="-120"/>
+              </a:rPr>
+              <a:t>No memory overflow or crashes</a:t>
+            </a:r>
+            <a:endParaRPr lang="en-US" sz="1350" dirty="0"/>
+          </a:p>
+          <a:p>
+            <a:pPr marL="342900" indent="-342900">
+              <a:lnSpc>
+                <a:spcPts val="2430"/>
+              </a:lnSpc>
+              <a:buSzPct val="100000"/>
+              <a:buChar char="•"/>
+            </a:pPr>
+            <a:r>
+              <a:rPr lang="en-US" sz="1350" dirty="0">
+                <a:solidFill>
+                  <a:srgbClr val="CBD5E1"/>
+                </a:solidFill>
+                <a:latin typeface="Arial" pitchFamily="34" charset="0"/>
+                <a:ea typeface="Arial" pitchFamily="34" charset="-122"/>
+                <a:cs typeface="Arial" pitchFamily="34" charset="-120"/>
+              </a:rPr>
+              <a:t>High inlier ratio from feature matching</a:t>
+            </a:r>
+            <a:endParaRPr lang="en-US" sz="1350" dirty="0"/>
+          </a:p>
+        </p:txBody>
+      </p:sp>
+      <p:sp>
+        <p:nvSpPr>
+          <p:cNvPr id="5" name="Text 3"/>
+          <p:cNvSpPr/>
+          <p:nvPr/>
+        </p:nvSpPr>
+        <p:spPr>
+          <a:xfrm>
+            <a:off x="609575" y="3292199"/>
+            <a:ext cx="8083346" cy="237629"/>
+          </a:xfrm>
+          <a:prstGeom prst="rect">
+            <a:avLst/>
+          </a:prstGeom>
+          <a:noFill/>
+          <a:ln/>
+        </p:spPr>
+        <p:txBody>
+          <a:bodyPr wrap="square" lIns="0" tIns="0" rIns="0" bIns="0" rtlCol="0" anchor="t"/>
+          <a:lstStyle/>
+          <a:p>
+            <a:pPr marL="0" indent="0">
+              <a:lnSpc>
+                <a:spcPts val="1872"/>
+              </a:lnSpc>
+              <a:buNone/>
+            </a:pPr>
+            <a:r>
+              <a:rPr lang="en-US" sz="1560" b="1" dirty="0">
+                <a:solidFill>
+                  <a:srgbClr val="38BDF8"/>
+                </a:solidFill>
+                <a:latin typeface="Arial" pitchFamily="34" charset="0"/>
+                <a:ea typeface="Arial" pitchFamily="34" charset="-122"/>
+                <a:cs typeface="Arial" pitchFamily="34" charset="-120"/>
+              </a:rPr>
+              <a:t>Output Quality</a:t>
+            </a:r>
+            <a:endParaRPr lang="en-US" sz="1560" dirty="0"/>
+          </a:p>
+        </p:txBody>
+      </p:sp>
+      <p:sp>
+        <p:nvSpPr>
+          <p:cNvPr id="6" name="Text 4"/>
+          <p:cNvSpPr/>
+          <p:nvPr/>
+        </p:nvSpPr>
+        <p:spPr>
+          <a:xfrm>
+            <a:off x="609575" y="3651745"/>
+            <a:ext cx="8083346" cy="239861"/>
+          </a:xfrm>
+          <a:prstGeom prst="rect">
+            <a:avLst/>
+          </a:prstGeom>
+          <a:noFill/>
+          <a:ln/>
+        </p:spPr>
+        <p:txBody>
+          <a:bodyPr wrap="square" lIns="0" tIns="0" rIns="0" bIns="0" rtlCol="0" anchor="t"/>
+          <a:lstStyle/>
+          <a:p>
+            <a:pPr marL="0" indent="0">
+              <a:lnSpc>
+                <a:spcPts val="1890"/>
+              </a:lnSpc>
+              <a:buNone/>
+            </a:pPr>
+            <a:r>
+              <a:rPr lang="en-US" sz="1350" dirty="0">
+                <a:solidFill>
+                  <a:srgbClr val="CBD5E1"/>
+                </a:solidFill>
+                <a:latin typeface="Arial" pitchFamily="34" charset="0"/>
+                <a:ea typeface="Arial" pitchFamily="34" charset="-122"/>
+                <a:cs typeface="Arial" pitchFamily="34" charset="-120"/>
+              </a:rPr>
+              <a:t>Produces coherent panoramas with automatic black border removal</a:t>
+            </a:r>
+            <a:endParaRPr lang="en-US" sz="1350" dirty="0"/>
+          </a:p>
+        </p:txBody>
+      </p:sp>
+    </p:spTree>
+  </p:cSld>
+  <p:clrMapOvr>
+    <a:masterClrMapping/>
+  </p:clrMapOvr>
+</p:sld>
+</file>
+
+<file path=ppt/slides/slide21.xml><?xml version="1.0" encoding="utf-8"?>
+<p:sld xmlns:a="http://schemas.openxmlformats.org/drawingml/2006/main" xmlns:r="http://schemas.openxmlformats.org/officeDocument/2006/relationships" xmlns:p="http://schemas.openxmlformats.org/presentationml/2006/main">
+  <p:cSld name="Slide 15">
+    <p:bg>
+      <p:bgPr>
+        <a:solidFill>
+          <a:srgbClr val="0F172A"/>
+        </a:solidFill>
+        <a:effectLst/>
+      </p:bgPr>
+    </p:bg>
+    <p:spTree>
+      <p:nvGrpSpPr>
+        <p:cNvPr id="1" name=""/>
+        <p:cNvGrpSpPr/>
+        <p:nvPr/>
+      </p:nvGrpSpPr>
+      <p:grpSpPr>
+        <a:xfrm>
+          <a:off x="0" y="0"/>
+          <a:ext cx="0" cy="0"/>
+          <a:chOff x="0" y="0"/>
+          <a:chExt cx="0" cy="0"/>
+        </a:xfrm>
+      </p:grpSpPr>
+      <p:sp>
+        <p:nvSpPr>
+          <p:cNvPr id="2" name="Text 0"/>
+          <p:cNvSpPr/>
+          <p:nvPr/>
+        </p:nvSpPr>
+        <p:spPr>
+          <a:xfrm>
+            <a:off x="609575" y="609572"/>
+            <a:ext cx="8083346" cy="411510"/>
+          </a:xfrm>
+          <a:prstGeom prst="rect">
+            <a:avLst/>
+          </a:prstGeom>
+          <a:noFill/>
+          <a:ln/>
+        </p:spPr>
+        <p:txBody>
+          <a:bodyPr wrap="square" lIns="0" tIns="0" rIns="0" bIns="0" rtlCol="0" anchor="t"/>
+          <a:lstStyle/>
+          <a:p>
+            <a:pPr marL="0" indent="0">
+              <a:lnSpc>
+                <a:spcPts val="3240"/>
+              </a:lnSpc>
+              <a:buNone/>
+            </a:pPr>
+            <a:r>
+              <a:rPr lang="en-US" sz="2700" b="1" dirty="0">
+                <a:solidFill>
+                  <a:srgbClr val="38BDF8"/>
+                </a:solidFill>
+                <a:latin typeface="Arial" pitchFamily="34" charset="0"/>
+                <a:ea typeface="Arial" pitchFamily="34" charset="-122"/>
+                <a:cs typeface="Arial" pitchFamily="34" charset="-120"/>
+              </a:rPr>
+              <a:t>Future Enhancements</a:t>
+            </a:r>
+            <a:endParaRPr lang="en-US" sz="2700" dirty="0"/>
+          </a:p>
+        </p:txBody>
+      </p:sp>
+      <p:sp>
+        <p:nvSpPr>
+          <p:cNvPr id="3" name="Text 1"/>
+          <p:cNvSpPr/>
+          <p:nvPr/>
+        </p:nvSpPr>
+        <p:spPr>
+          <a:xfrm>
+            <a:off x="914301" y="1173384"/>
+            <a:ext cx="7620124" cy="1999134"/>
+          </a:xfrm>
+          <a:prstGeom prst="rect">
+            <a:avLst/>
+          </a:prstGeom>
+          <a:noFill/>
+          <a:ln/>
+        </p:spPr>
+        <p:txBody>
+          <a:bodyPr wrap="square" lIns="0" tIns="0" rIns="0" bIns="0" rtlCol="0" anchor="t"/>
+          <a:lstStyle/>
+          <a:p>
+            <a:pPr marL="342900" indent="-342900">
+              <a:lnSpc>
+                <a:spcPts val="2430"/>
+              </a:lnSpc>
+              <a:buSzPct val="100000"/>
+              <a:buChar char="•"/>
+            </a:pPr>
+            <a:r>
+              <a:rPr lang="en-US" sz="1350" dirty="0">
+                <a:solidFill>
+                  <a:srgbClr val="CBD5E1"/>
+                </a:solidFill>
+                <a:latin typeface="Arial" pitchFamily="34" charset="0"/>
+                <a:ea typeface="Arial" pitchFamily="34" charset="-122"/>
+                <a:cs typeface="Arial" pitchFamily="34" charset="-120"/>
+              </a:rPr>
+              <a:t>Multiband blending for improved color consistency</a:t>
+            </a:r>
+            <a:endParaRPr lang="en-US" sz="1350" dirty="0"/>
+          </a:p>
+          <a:p>
+            <a:pPr marL="342900" indent="-342900">
+              <a:lnSpc>
+                <a:spcPts val="2430"/>
+              </a:lnSpc>
+              <a:buSzPct val="100000"/>
+              <a:buChar char="•"/>
+            </a:pPr>
+            <a:r>
+              <a:rPr lang="en-US" sz="1350" dirty="0">
+                <a:solidFill>
+                  <a:srgbClr val="CBD5E1"/>
+                </a:solidFill>
+                <a:latin typeface="Arial" pitchFamily="34" charset="0"/>
+                <a:ea typeface="Arial" pitchFamily="34" charset="-122"/>
+                <a:cs typeface="Arial" pitchFamily="34" charset="-120"/>
+              </a:rPr>
+              <a:t>Automatic exposure compensation across images</a:t>
+            </a:r>
+            <a:endParaRPr lang="en-US" sz="1350" dirty="0"/>
+          </a:p>
+          <a:p>
+            <a:pPr marL="342900" indent="-342900">
+              <a:lnSpc>
+                <a:spcPts val="2430"/>
+              </a:lnSpc>
+              <a:buSzPct val="100000"/>
+              <a:buChar char="•"/>
+            </a:pPr>
+            <a:r>
+              <a:rPr lang="en-US" sz="1350" dirty="0">
+                <a:solidFill>
+                  <a:srgbClr val="CBD5E1"/>
+                </a:solidFill>
+                <a:latin typeface="Arial" pitchFamily="34" charset="0"/>
+                <a:ea typeface="Arial" pitchFamily="34" charset="-122"/>
+                <a:cs typeface="Arial" pitchFamily="34" charset="-120"/>
+              </a:rPr>
+              <a:t>Global optimization (bundle adjustment) to reduce drift</a:t>
+            </a:r>
+            <a:endParaRPr lang="en-US" sz="1350" dirty="0"/>
+          </a:p>
+          <a:p>
+            <a:pPr marL="342900" indent="-342900">
+              <a:lnSpc>
+                <a:spcPts val="2430"/>
+              </a:lnSpc>
+              <a:buSzPct val="100000"/>
+              <a:buChar char="•"/>
+            </a:pPr>
+            <a:r>
+              <a:rPr lang="en-US" sz="1350" dirty="0">
+                <a:solidFill>
+                  <a:srgbClr val="CBD5E1"/>
+                </a:solidFill>
+                <a:latin typeface="Arial" pitchFamily="34" charset="0"/>
+                <a:ea typeface="Arial" pitchFamily="34" charset="-122"/>
+                <a:cs typeface="Arial" pitchFamily="34" charset="-120"/>
+              </a:rPr>
+              <a:t>Real-time GPU acceleration for large image sets</a:t>
+            </a:r>
+            <a:endParaRPr lang="en-US" sz="1350" dirty="0"/>
+          </a:p>
+          <a:p>
+            <a:pPr marL="342900" indent="-342900">
+              <a:lnSpc>
+                <a:spcPts val="2430"/>
+              </a:lnSpc>
+              <a:buSzPct val="100000"/>
+              <a:buChar char="•"/>
+            </a:pPr>
+            <a:r>
+              <a:rPr lang="en-US" sz="1350" dirty="0">
+                <a:solidFill>
+                  <a:srgbClr val="CBD5E1"/>
+                </a:solidFill>
+                <a:latin typeface="Arial" pitchFamily="34" charset="0"/>
+                <a:ea typeface="Arial" pitchFamily="34" charset="-122"/>
+                <a:cs typeface="Arial" pitchFamily="34" charset="-120"/>
+              </a:rPr>
+              <a:t>Machine learning-based seam detection</a:t>
+            </a:r>
+            <a:endParaRPr lang="en-US" sz="1350" dirty="0"/>
+          </a:p>
+        </p:txBody>
+      </p:sp>
+    </p:spTree>
+  </p:cSld>
+  <p:clrMapOvr>
+    <a:masterClrMapping/>
+  </p:clrMapOvr>
+</p:sld>
+</file>
+
+<file path=ppt/slides/slide22.xml><?xml version="1.0" encoding="utf-8"?>
+<p:sld xmlns:a="http://schemas.openxmlformats.org/drawingml/2006/main" xmlns:r="http://schemas.openxmlformats.org/officeDocument/2006/relationships" xmlns:p="http://schemas.openxmlformats.org/presentationml/2006/main">
+  <p:cSld name="Slide 16">
+    <p:bg>
+      <p:bgPr>
+        <a:solidFill>
+          <a:srgbClr val="020617"/>
+        </a:solidFill>
+        <a:effectLst/>
+      </p:bgPr>
+    </p:bg>
+    <p:spTree>
+      <p:nvGrpSpPr>
+        <p:cNvPr id="1" name=""/>
+        <p:cNvGrpSpPr/>
+        <p:nvPr/>
+      </p:nvGrpSpPr>
+      <p:grpSpPr>
+        <a:xfrm>
+          <a:off x="0" y="0"/>
+          <a:ext cx="0" cy="0"/>
+          <a:chOff x="0" y="0"/>
+          <a:chExt cx="0" cy="0"/>
+        </a:xfrm>
+      </p:grpSpPr>
+      <p:sp>
+        <p:nvSpPr>
+          <p:cNvPr id="2" name="Text 0"/>
+          <p:cNvSpPr/>
+          <p:nvPr/>
+        </p:nvSpPr>
+        <p:spPr>
+          <a:xfrm>
+            <a:off x="3774900" y="1712761"/>
+            <a:ext cx="1594076" cy="411510"/>
+          </a:xfrm>
+          <a:prstGeom prst="rect">
+            <a:avLst/>
+          </a:prstGeom>
+          <a:noFill/>
+          <a:ln/>
+        </p:spPr>
+        <p:txBody>
+          <a:bodyPr wrap="square" lIns="0" tIns="0" rIns="0" bIns="0" rtlCol="0" anchor="t"/>
+          <a:lstStyle/>
+          <a:p>
+            <a:pPr marL="0" indent="0" algn="ctr">
+              <a:lnSpc>
+                <a:spcPts val="3240"/>
+              </a:lnSpc>
+              <a:buNone/>
+            </a:pPr>
+            <a:r>
+              <a:rPr lang="en-US" sz="2700" b="1" dirty="0">
+                <a:solidFill>
+                  <a:srgbClr val="38BDF8"/>
+                </a:solidFill>
+                <a:latin typeface="Arial" pitchFamily="34" charset="0"/>
+                <a:ea typeface="Arial" pitchFamily="34" charset="-122"/>
+                <a:cs typeface="Arial" pitchFamily="34" charset="-120"/>
+              </a:rPr>
+              <a:t>Summary</a:t>
+            </a:r>
+            <a:endParaRPr lang="en-US" sz="2700" dirty="0"/>
+          </a:p>
+        </p:txBody>
+      </p:sp>
+      <p:sp>
+        <p:nvSpPr>
+          <p:cNvPr id="3" name="Text 1"/>
+          <p:cNvSpPr/>
+          <p:nvPr/>
+        </p:nvSpPr>
+        <p:spPr>
+          <a:xfrm>
+            <a:off x="609575" y="2352842"/>
+            <a:ext cx="7924849" cy="533301"/>
+          </a:xfrm>
+          <a:prstGeom prst="rect">
+            <a:avLst/>
+          </a:prstGeom>
+          <a:noFill/>
+          <a:ln/>
+        </p:spPr>
+        <p:txBody>
+          <a:bodyPr wrap="square" lIns="0" tIns="0" rIns="0" bIns="0" rtlCol="0" anchor="t"/>
+          <a:lstStyle/>
+          <a:p>
+            <a:pPr marL="0" indent="0" algn="ctr">
+              <a:lnSpc>
+                <a:spcPts val="2100"/>
+              </a:lnSpc>
+              <a:buNone/>
+            </a:pPr>
+            <a:r>
+              <a:rPr lang="en-US" sz="1500" dirty="0">
+                <a:solidFill>
+                  <a:srgbClr val="CBD5E1"/>
+                </a:solidFill>
+                <a:latin typeface="Arial" pitchFamily="34" charset="0"/>
+                <a:ea typeface="Arial" pitchFamily="34" charset="-122"/>
+                <a:cs typeface="Arial" pitchFamily="34" charset="-120"/>
+              </a:rPr>
+              <a:t>A complete feature-based panorama stitching system combining robust feature detection, intelligent matching, and practical robustness mechanisms</a:t>
+            </a:r>
+            <a:endParaRPr lang="en-US" sz="1500" dirty="0"/>
+          </a:p>
+        </p:txBody>
+      </p:sp>
+      <p:sp>
+        <p:nvSpPr>
+          <p:cNvPr id="4" name="Text 2"/>
+          <p:cNvSpPr/>
+          <p:nvPr/>
+        </p:nvSpPr>
+        <p:spPr>
+          <a:xfrm>
+            <a:off x="1009397" y="3190875"/>
+            <a:ext cx="7125206" cy="239861"/>
+          </a:xfrm>
+          <a:prstGeom prst="rect">
+            <a:avLst/>
+          </a:prstGeom>
+          <a:noFill/>
+          <a:ln/>
+        </p:spPr>
+        <p:txBody>
+          <a:bodyPr wrap="square" lIns="0" tIns="0" rIns="0" bIns="0" rtlCol="0" anchor="t"/>
+          <a:lstStyle/>
+          <a:p>
+            <a:pPr marL="0" indent="0" algn="ctr">
+              <a:lnSpc>
+                <a:spcPts val="1890"/>
+              </a:lnSpc>
+              <a:buNone/>
+            </a:pPr>
+            <a:r>
+              <a:rPr lang="en-US" sz="1350" dirty="0">
+                <a:solidFill>
+                  <a:srgbClr val="CBD5E1"/>
+                </a:solidFill>
+                <a:latin typeface="Arial" pitchFamily="34" charset="0"/>
+                <a:ea typeface="Arial" pitchFamily="34" charset="-122"/>
+                <a:cs typeface="Arial" pitchFamily="34" charset="-120"/>
+              </a:rPr>
+              <a:t>Delivering high-quality panoramas with diagnostic tools for success and failure interpretation</a:t>
+            </a:r>
+            <a:endParaRPr lang="en-US" sz="1350" dirty="0"/>
+          </a:p>
+        </p:txBody>
+      </p:sp>
+    </p:spTree>
+  </p:cSld>
+  <p:clrMapOvr>
+    <a:masterClrMapping/>
+  </p:clrMapOvr>
+</p:sld>
+</file>
+
+<file path=ppt/slides/slide23.xml><?xml version="1.0" encoding="utf-8"?>
+<p:sld xmlns:a="http://schemas.openxmlformats.org/drawingml/2006/main" xmlns:r="http://schemas.openxmlformats.org/officeDocument/2006/relationships" xmlns:p="http://schemas.openxmlformats.org/presentationml/2006/main">
+  <p:cSld name="Slide 17">
+    <p:bg>
+      <p:bgPr>
+        <a:solidFill>
+          <a:srgbClr val="020617"/>
+        </a:solidFill>
+        <a:effectLst/>
+      </p:bgPr>
+    </p:bg>
+    <p:spTree>
+      <p:nvGrpSpPr>
+        <p:cNvPr id="1" name=""/>
+        <p:cNvGrpSpPr/>
+        <p:nvPr/>
+      </p:nvGrpSpPr>
+      <p:grpSpPr>
+        <a:xfrm>
+          <a:off x="0" y="0"/>
+          <a:ext cx="0" cy="0"/>
+          <a:chOff x="0" y="0"/>
+          <a:chExt cx="0" cy="0"/>
+        </a:xfrm>
+      </p:grpSpPr>
+      <p:sp>
+        <p:nvSpPr>
+          <p:cNvPr id="2" name="Text 0"/>
+          <p:cNvSpPr/>
+          <p:nvPr/>
+        </p:nvSpPr>
+        <p:spPr>
+          <a:xfrm>
+            <a:off x="3324039" y="1804169"/>
+            <a:ext cx="2495922" cy="548556"/>
+          </a:xfrm>
+          <a:prstGeom prst="rect">
+            <a:avLst/>
+          </a:prstGeom>
+          <a:noFill/>
+          <a:ln/>
+        </p:spPr>
+        <p:txBody>
+          <a:bodyPr wrap="square" lIns="0" tIns="0" rIns="0" bIns="0" rtlCol="0" anchor="t"/>
+          <a:lstStyle/>
+          <a:p>
+            <a:pPr marL="0" indent="0" algn="ctr">
+              <a:lnSpc>
+                <a:spcPts val="4320"/>
+              </a:lnSpc>
+              <a:buNone/>
+            </a:pPr>
+            <a:r>
+              <a:rPr lang="en-US" sz="3600" b="1" dirty="0">
+                <a:solidFill>
+                  <a:srgbClr val="38BDF8"/>
+                </a:solidFill>
+                <a:latin typeface="Arial" pitchFamily="34" charset="0"/>
+                <a:ea typeface="Arial" pitchFamily="34" charset="-122"/>
+                <a:cs typeface="Arial" pitchFamily="34" charset="-120"/>
+              </a:rPr>
+              <a:t>Thank You!</a:t>
+            </a:r>
+            <a:endParaRPr lang="en-US" sz="3600" dirty="0"/>
+          </a:p>
+        </p:txBody>
+      </p:sp>
+      <p:sp>
+        <p:nvSpPr>
+          <p:cNvPr id="3" name="Text 1"/>
+          <p:cNvSpPr/>
+          <p:nvPr/>
+        </p:nvSpPr>
+        <p:spPr>
+          <a:xfrm>
+            <a:off x="4080532" y="2581294"/>
+            <a:ext cx="982935" cy="266650"/>
+          </a:xfrm>
+          <a:prstGeom prst="rect">
+            <a:avLst/>
+          </a:prstGeom>
+          <a:noFill/>
+          <a:ln/>
+        </p:spPr>
+        <p:txBody>
+          <a:bodyPr wrap="square" lIns="0" tIns="0" rIns="0" bIns="0" rtlCol="0" anchor="t"/>
+          <a:lstStyle/>
+          <a:p>
+            <a:pPr marL="0" indent="0" algn="ctr">
+              <a:lnSpc>
+                <a:spcPts val="2100"/>
+              </a:lnSpc>
+              <a:buNone/>
+            </a:pPr>
+            <a:r>
+              <a:rPr lang="en-US" sz="1500" dirty="0">
+                <a:solidFill>
+                  <a:srgbClr val="CBD5E1"/>
+                </a:solidFill>
+                <a:latin typeface="Arial" pitchFamily="34" charset="0"/>
+                <a:ea typeface="Arial" pitchFamily="34" charset="-122"/>
+                <a:cs typeface="Arial" pitchFamily="34" charset="-120"/>
+              </a:rPr>
+              <a:t>Questions?</a:t>
+            </a:r>
+            <a:endParaRPr lang="en-US" sz="1500" dirty="0"/>
+          </a:p>
+        </p:txBody>
+      </p:sp>
+      <p:sp>
+        <p:nvSpPr>
+          <p:cNvPr id="4" name="Text 2"/>
+          <p:cNvSpPr/>
+          <p:nvPr/>
+        </p:nvSpPr>
+        <p:spPr>
+          <a:xfrm>
+            <a:off x="2922768" y="3152673"/>
+            <a:ext cx="3298463" cy="186655"/>
+          </a:xfrm>
+          <a:prstGeom prst="rect">
+            <a:avLst/>
+          </a:prstGeom>
+          <a:noFill/>
+          <a:ln/>
+        </p:spPr>
+        <p:txBody>
+          <a:bodyPr wrap="square" lIns="0" tIns="0" rIns="0" bIns="0" rtlCol="0" anchor="t"/>
+          <a:lstStyle/>
+          <a:p>
+            <a:pPr marL="0" indent="0" algn="ctr">
+              <a:lnSpc>
+                <a:spcPts val="1470"/>
+              </a:lnSpc>
+              <a:buNone/>
+            </a:pPr>
+            <a:r>
+              <a:rPr lang="en-US" sz="1050" dirty="0">
+                <a:solidFill>
+                  <a:srgbClr val="94A3B8"/>
+                </a:solidFill>
+                <a:latin typeface="Arial" pitchFamily="34" charset="0"/>
+                <a:ea typeface="Arial" pitchFamily="34" charset="-122"/>
+                <a:cs typeface="Arial" pitchFamily="34" charset="-120"/>
+              </a:rPr>
+              <a:t>Digital Image Processing Project • Panoramic Stitching</a:t>
+            </a:r>
+            <a:endParaRPr lang="en-US" sz="1050" dirty="0"/>
           </a:p>
         </p:txBody>
       </p:sp>
@@ -5393,6 +7238,250 @@
 
 <file path=ppt/slides/slide6.xml><?xml version="1.0" encoding="utf-8"?>
 <p:sld xmlns:a="http://schemas.openxmlformats.org/drawingml/2006/main" xmlns:r="http://schemas.openxmlformats.org/officeDocument/2006/relationships" xmlns:p="http://schemas.openxmlformats.org/presentationml/2006/main">
+  <p:cSld>
+    <p:bg>
+      <p:bgPr>
+        <a:solidFill>
+          <a:srgbClr val="0F172A"/>
+        </a:solidFill>
+        <a:effectLst/>
+      </p:bgPr>
+    </p:bg>
+    <p:spTree>
+      <p:nvGrpSpPr>
+        <p:cNvPr id="1" name="">
+          <a:extLst>
+            <a:ext uri="{FF2B5EF4-FFF2-40B4-BE49-F238E27FC236}">
+              <a16:creationId xmlns:a16="http://schemas.microsoft.com/office/drawing/2014/main" id="{82B30303-9237-AC1D-C16D-28F6192B84AE}"/>
+            </a:ext>
+          </a:extLst>
+        </p:cNvPr>
+        <p:cNvGrpSpPr/>
+        <p:nvPr/>
+      </p:nvGrpSpPr>
+      <p:grpSpPr>
+        <a:xfrm>
+          <a:off x="0" y="0"/>
+          <a:ext cx="0" cy="0"/>
+          <a:chOff x="0" y="0"/>
+          <a:chExt cx="0" cy="0"/>
+        </a:xfrm>
+      </p:grpSpPr>
+      <p:sp>
+        <p:nvSpPr>
+          <p:cNvPr id="2" name="Text 0">
+            <a:extLst>
+              <a:ext uri="{FF2B5EF4-FFF2-40B4-BE49-F238E27FC236}">
+                <a16:creationId xmlns:a16="http://schemas.microsoft.com/office/drawing/2014/main" id="{68C421FE-25BB-3AB7-B6DB-5785F99AF3B5}"/>
+              </a:ext>
+            </a:extLst>
+          </p:cNvPr>
+          <p:cNvSpPr/>
+          <p:nvPr/>
+        </p:nvSpPr>
+        <p:spPr>
+          <a:xfrm>
+            <a:off x="609575" y="609574"/>
+            <a:ext cx="8083346" cy="411510"/>
+          </a:xfrm>
+          <a:prstGeom prst="rect">
+            <a:avLst/>
+          </a:prstGeom>
+          <a:noFill/>
+          <a:ln/>
+        </p:spPr>
+        <p:txBody>
+          <a:bodyPr wrap="square" lIns="0" tIns="0" rIns="0" bIns="0" rtlCol="0" anchor="t"/>
+          <a:lstStyle/>
+          <a:p>
+            <a:pPr marL="0" indent="0">
+              <a:lnSpc>
+                <a:spcPts val="3240"/>
+              </a:lnSpc>
+              <a:buNone/>
+            </a:pPr>
+            <a:r>
+              <a:rPr lang="en-US" sz="2700" b="1" dirty="0">
+                <a:solidFill>
+                  <a:srgbClr val="38BDF8"/>
+                </a:solidFill>
+                <a:latin typeface="Arial" pitchFamily="34" charset="0"/>
+                <a:ea typeface="Arial" pitchFamily="34" charset="-122"/>
+                <a:cs typeface="Arial" pitchFamily="34" charset="-120"/>
+              </a:rPr>
+              <a:t>Feature Detection</a:t>
+            </a:r>
+            <a:endParaRPr lang="en-US" sz="2700" dirty="0"/>
+          </a:p>
+        </p:txBody>
+      </p:sp>
+      <p:pic>
+        <p:nvPicPr>
+          <p:cNvPr id="14" name="Picture 13">
+            <a:extLst>
+              <a:ext uri="{FF2B5EF4-FFF2-40B4-BE49-F238E27FC236}">
+                <a16:creationId xmlns:a16="http://schemas.microsoft.com/office/drawing/2014/main" id="{C22605FB-37D5-1DD4-BB60-99E0E54A4201}"/>
+              </a:ext>
+            </a:extLst>
+          </p:cNvPr>
+          <p:cNvPicPr>
+            <a:picLocks noChangeAspect="1"/>
+          </p:cNvPicPr>
+          <p:nvPr/>
+        </p:nvPicPr>
+        <p:blipFill>
+          <a:blip r:embed="rId3"/>
+          <a:stretch>
+            <a:fillRect/>
+          </a:stretch>
+        </p:blipFill>
+        <p:spPr>
+          <a:xfrm>
+            <a:off x="1721583" y="1199840"/>
+            <a:ext cx="5700833" cy="3646479"/>
+          </a:xfrm>
+          <a:prstGeom prst="rect">
+            <a:avLst/>
+          </a:prstGeom>
+        </p:spPr>
+      </p:pic>
+    </p:spTree>
+    <p:extLst>
+      <p:ext uri="{BB962C8B-B14F-4D97-AF65-F5344CB8AC3E}">
+        <p14:creationId xmlns:p14="http://schemas.microsoft.com/office/powerpoint/2010/main" val="4149813748"/>
+      </p:ext>
+    </p:extLst>
+  </p:cSld>
+  <p:clrMapOvr>
+    <a:masterClrMapping/>
+  </p:clrMapOvr>
+</p:sld>
+</file>
+
+<file path=ppt/slides/slide7.xml><?xml version="1.0" encoding="utf-8"?>
+<p:sld xmlns:a="http://schemas.openxmlformats.org/drawingml/2006/main" xmlns:r="http://schemas.openxmlformats.org/officeDocument/2006/relationships" xmlns:p="http://schemas.openxmlformats.org/presentationml/2006/main">
+  <p:cSld>
+    <p:bg>
+      <p:bgPr>
+        <a:solidFill>
+          <a:srgbClr val="0F172A"/>
+        </a:solidFill>
+        <a:effectLst/>
+      </p:bgPr>
+    </p:bg>
+    <p:spTree>
+      <p:nvGrpSpPr>
+        <p:cNvPr id="1" name="">
+          <a:extLst>
+            <a:ext uri="{FF2B5EF4-FFF2-40B4-BE49-F238E27FC236}">
+              <a16:creationId xmlns:a16="http://schemas.microsoft.com/office/drawing/2014/main" id="{3F0A0344-94E3-04CB-F6B5-4FA4F64778B3}"/>
+            </a:ext>
+          </a:extLst>
+        </p:cNvPr>
+        <p:cNvGrpSpPr/>
+        <p:nvPr/>
+      </p:nvGrpSpPr>
+      <p:grpSpPr>
+        <a:xfrm>
+          <a:off x="0" y="0"/>
+          <a:ext cx="0" cy="0"/>
+          <a:chOff x="0" y="0"/>
+          <a:chExt cx="0" cy="0"/>
+        </a:xfrm>
+      </p:grpSpPr>
+      <p:sp>
+        <p:nvSpPr>
+          <p:cNvPr id="2" name="Text 0">
+            <a:extLst>
+              <a:ext uri="{FF2B5EF4-FFF2-40B4-BE49-F238E27FC236}">
+                <a16:creationId xmlns:a16="http://schemas.microsoft.com/office/drawing/2014/main" id="{9A2332E2-84DC-E285-B9BF-AD737515F5A2}"/>
+              </a:ext>
+            </a:extLst>
+          </p:cNvPr>
+          <p:cNvSpPr/>
+          <p:nvPr/>
+        </p:nvSpPr>
+        <p:spPr>
+          <a:xfrm>
+            <a:off x="609575" y="609574"/>
+            <a:ext cx="8083346" cy="411510"/>
+          </a:xfrm>
+          <a:prstGeom prst="rect">
+            <a:avLst/>
+          </a:prstGeom>
+          <a:noFill/>
+          <a:ln/>
+        </p:spPr>
+        <p:txBody>
+          <a:bodyPr wrap="square" lIns="0" tIns="0" rIns="0" bIns="0" rtlCol="0" anchor="t"/>
+          <a:lstStyle/>
+          <a:p>
+            <a:pPr marL="0" indent="0">
+              <a:lnSpc>
+                <a:spcPts val="3240"/>
+              </a:lnSpc>
+              <a:buNone/>
+            </a:pPr>
+            <a:r>
+              <a:rPr lang="en-US" sz="2700" b="1" dirty="0">
+                <a:solidFill>
+                  <a:srgbClr val="38BDF8"/>
+                </a:solidFill>
+                <a:latin typeface="Arial" pitchFamily="34" charset="0"/>
+                <a:ea typeface="Arial" pitchFamily="34" charset="-122"/>
+                <a:cs typeface="Arial" pitchFamily="34" charset="-120"/>
+              </a:rPr>
+              <a:t>Matching</a:t>
+            </a:r>
+            <a:endParaRPr lang="en-US" sz="2700" dirty="0"/>
+          </a:p>
+        </p:txBody>
+      </p:sp>
+      <p:pic>
+        <p:nvPicPr>
+          <p:cNvPr id="12" name="Picture 11">
+            <a:extLst>
+              <a:ext uri="{FF2B5EF4-FFF2-40B4-BE49-F238E27FC236}">
+                <a16:creationId xmlns:a16="http://schemas.microsoft.com/office/drawing/2014/main" id="{6D42D97E-99AC-7359-D43C-2E03175EBAE5}"/>
+              </a:ext>
+            </a:extLst>
+          </p:cNvPr>
+          <p:cNvPicPr>
+            <a:picLocks noChangeAspect="1"/>
+          </p:cNvPicPr>
+          <p:nvPr/>
+        </p:nvPicPr>
+        <p:blipFill>
+          <a:blip r:embed="rId3"/>
+          <a:stretch>
+            <a:fillRect/>
+          </a:stretch>
+        </p:blipFill>
+        <p:spPr>
+          <a:xfrm>
+            <a:off x="2393823" y="1190398"/>
+            <a:ext cx="4514849" cy="3770221"/>
+          </a:xfrm>
+          <a:prstGeom prst="rect">
+            <a:avLst/>
+          </a:prstGeom>
+        </p:spPr>
+      </p:pic>
+    </p:spTree>
+    <p:extLst>
+      <p:ext uri="{BB962C8B-B14F-4D97-AF65-F5344CB8AC3E}">
+        <p14:creationId xmlns:p14="http://schemas.microsoft.com/office/powerpoint/2010/main" val="1680754056"/>
+      </p:ext>
+    </p:extLst>
+  </p:cSld>
+  <p:clrMapOvr>
+    <a:masterClrMapping/>
+  </p:clrMapOvr>
+</p:sld>
+</file>
+
+<file path=ppt/slides/slide8.xml><?xml version="1.0" encoding="utf-8"?>
+<p:sld xmlns:a="http://schemas.openxmlformats.org/drawingml/2006/main" xmlns:r="http://schemas.openxmlformats.org/officeDocument/2006/relationships" xmlns:p="http://schemas.openxmlformats.org/presentationml/2006/main">
   <p:cSld name="Slide 6">
     <p:bg>
       <p:bgPr>
@@ -5730,9 +7819,9 @@
 </p:sld>
 </file>
 
-<file path=ppt/slides/slide7.xml><?xml version="1.0" encoding="utf-8"?>
+<file path=ppt/slides/slide9.xml><?xml version="1.0" encoding="utf-8"?>
 <p:sld xmlns:a="http://schemas.openxmlformats.org/drawingml/2006/main" xmlns:r="http://schemas.openxmlformats.org/officeDocument/2006/relationships" xmlns:p="http://schemas.openxmlformats.org/presentationml/2006/main">
-  <p:cSld name="Slide 7">
+  <p:cSld>
     <p:bg>
       <p:bgPr>
         <a:solidFill>
@@ -5743,7 +7832,13 @@
     </p:bg>
     <p:spTree>
       <p:nvGrpSpPr>
-        <p:cNvPr id="1" name=""/>
+        <p:cNvPr id="1" name="">
+          <a:extLst>
+            <a:ext uri="{FF2B5EF4-FFF2-40B4-BE49-F238E27FC236}">
+              <a16:creationId xmlns:a16="http://schemas.microsoft.com/office/drawing/2014/main" id="{E5C05D59-5D8D-1408-DEE3-1E7A1AC93562}"/>
+            </a:ext>
+          </a:extLst>
+        </p:cNvPr>
         <p:cNvGrpSpPr/>
         <p:nvPr/>
       </p:nvGrpSpPr>
@@ -5757,7 +7852,13 @@
       </p:grpSpPr>
       <p:sp>
         <p:nvSpPr>
-          <p:cNvPr id="2" name="Text 0"/>
+          <p:cNvPr id="2" name="Text 0">
+            <a:extLst>
+              <a:ext uri="{FF2B5EF4-FFF2-40B4-BE49-F238E27FC236}">
+                <a16:creationId xmlns:a16="http://schemas.microsoft.com/office/drawing/2014/main" id="{DEEE1262-5ECE-9C91-809F-90E0FFCB8F5A}"/>
+              </a:ext>
+            </a:extLst>
+          </p:cNvPr>
           <p:cNvSpPr/>
           <p:nvPr/>
         </p:nvSpPr>
@@ -5783,6 +7884,17 @@
               <a:buNone/>
             </a:pPr>
             <a:r>
+              <a:rPr lang="en-US" sz="2700" b="1" dirty="0" err="1">
+                <a:solidFill>
+                  <a:srgbClr val="38BDF8"/>
+                </a:solidFill>
+                <a:latin typeface="Arial" pitchFamily="34" charset="0"/>
+                <a:ea typeface="Arial" pitchFamily="34" charset="-122"/>
+                <a:cs typeface="Arial" pitchFamily="34" charset="-120"/>
+              </a:rPr>
+              <a:t>Homography</a:t>
+            </a:r>
+            <a:r>
               <a:rPr lang="en-US" sz="2700" b="1" dirty="0">
                 <a:solidFill>
                   <a:srgbClr val="38BDF8"/>
@@ -5791,764 +7903,48 @@
                 <a:ea typeface="Arial" pitchFamily="34" charset="-122"/>
                 <a:cs typeface="Arial" pitchFamily="34" charset="-120"/>
               </a:rPr>
-              <a:t>Cylindrical Projection</a:t>
+              <a:t> </a:t>
             </a:r>
             <a:endParaRPr lang="en-US" sz="2700" dirty="0"/>
           </a:p>
         </p:txBody>
       </p:sp>
-      <p:sp>
-        <p:nvSpPr>
-          <p:cNvPr id="3" name="Text 1"/>
-          <p:cNvSpPr/>
-          <p:nvPr/>
-        </p:nvSpPr>
-        <p:spPr>
-          <a:xfrm>
-            <a:off x="609575" y="1173384"/>
-            <a:ext cx="8083346" cy="239861"/>
-          </a:xfrm>
-          <a:prstGeom prst="rect">
-            <a:avLst/>
-          </a:prstGeom>
-          <a:noFill/>
-          <a:ln/>
-        </p:spPr>
-        <p:txBody>
-          <a:bodyPr wrap="square" lIns="0" tIns="0" rIns="0" bIns="0" rtlCol="0" anchor="t"/>
-          <a:lstStyle/>
-          <a:p>
-            <a:pPr marL="0" indent="0">
-              <a:lnSpc>
-                <a:spcPts val="1890"/>
-              </a:lnSpc>
-              <a:buNone/>
-            </a:pPr>
-            <a:r>
-              <a:rPr lang="en-US" sz="1350" dirty="0">
-                <a:solidFill>
-                  <a:srgbClr val="CBD5E1"/>
-                </a:solidFill>
-                <a:latin typeface="Arial" pitchFamily="34" charset="0"/>
-                <a:ea typeface="Arial" pitchFamily="34" charset="-122"/>
-                <a:cs typeface="Arial" pitchFamily="34" charset="-120"/>
-              </a:rPr>
-              <a:t>Reduces wide-angle distortion when camera rotates around optical center</a:t>
-            </a:r>
-            <a:endParaRPr lang="en-US" sz="1350" dirty="0"/>
-          </a:p>
-        </p:txBody>
-      </p:sp>
-      <p:sp>
-        <p:nvSpPr>
-          <p:cNvPr id="4" name="Text 2"/>
-          <p:cNvSpPr/>
-          <p:nvPr/>
-        </p:nvSpPr>
-        <p:spPr>
-          <a:xfrm>
-            <a:off x="609575" y="1641821"/>
-            <a:ext cx="8083346" cy="237629"/>
-          </a:xfrm>
-          <a:prstGeom prst="rect">
-            <a:avLst/>
-          </a:prstGeom>
-          <a:noFill/>
-          <a:ln/>
-        </p:spPr>
-        <p:txBody>
-          <a:bodyPr wrap="square" lIns="0" tIns="0" rIns="0" bIns="0" rtlCol="0" anchor="t"/>
-          <a:lstStyle/>
-          <a:p>
-            <a:pPr marL="0" indent="0">
-              <a:lnSpc>
-                <a:spcPts val="1872"/>
-              </a:lnSpc>
-              <a:buNone/>
-            </a:pPr>
-            <a:r>
-              <a:rPr lang="en-US" sz="1560" b="1" dirty="0">
-                <a:solidFill>
-                  <a:srgbClr val="38BDF8"/>
-                </a:solidFill>
-                <a:latin typeface="Arial" pitchFamily="34" charset="0"/>
-                <a:ea typeface="Arial" pitchFamily="34" charset="-122"/>
-                <a:cs typeface="Arial" pitchFamily="34" charset="-120"/>
-              </a:rPr>
-              <a:t>Transformation</a:t>
-            </a:r>
-            <a:endParaRPr lang="en-US" sz="1560" dirty="0"/>
-          </a:p>
-        </p:txBody>
-      </p:sp>
-      <p:sp>
-        <p:nvSpPr>
-          <p:cNvPr id="5" name="Text 3"/>
-          <p:cNvSpPr/>
-          <p:nvPr/>
-        </p:nvSpPr>
-        <p:spPr>
-          <a:xfrm>
-            <a:off x="914301" y="2001366"/>
-            <a:ext cx="7620124" cy="1153790"/>
-          </a:xfrm>
-          <a:prstGeom prst="rect">
-            <a:avLst/>
-          </a:prstGeom>
-          <a:noFill/>
-          <a:ln/>
-        </p:spPr>
-        <p:txBody>
-          <a:bodyPr wrap="square" lIns="0" tIns="0" rIns="0" bIns="0" rtlCol="0" anchor="t"/>
-          <a:lstStyle/>
-          <a:p>
-            <a:pPr marL="342900" indent="-342900">
-              <a:lnSpc>
-                <a:spcPts val="2430"/>
-              </a:lnSpc>
-              <a:buSzPct val="100000"/>
-              <a:buChar char="•"/>
-            </a:pPr>
-            <a:r>
-              <a:rPr lang="en-US" sz="1350" dirty="0">
-                <a:solidFill>
-                  <a:srgbClr val="CBD5E1"/>
-                </a:solidFill>
-                <a:latin typeface="Arial" pitchFamily="34" charset="0"/>
-                <a:ea typeface="Arial" pitchFamily="34" charset="-122"/>
-                <a:cs typeface="Arial" pitchFamily="34" charset="-120"/>
-              </a:rPr>
-              <a:t>Normalize pixel coordinates by focal length f</a:t>
-            </a:r>
-            <a:endParaRPr lang="en-US" sz="1350" dirty="0"/>
-          </a:p>
-          <a:p>
-            <a:pPr marL="342900" indent="-342900">
-              <a:lnSpc>
-                <a:spcPts val="2430"/>
-              </a:lnSpc>
-              <a:buSzPct val="100000"/>
-              <a:buChar char="•"/>
-            </a:pPr>
-            <a:r>
-              <a:rPr lang="en-US" sz="1350" dirty="0">
-                <a:solidFill>
-                  <a:srgbClr val="CBD5E1"/>
-                </a:solidFill>
-                <a:latin typeface="Arial" pitchFamily="34" charset="0"/>
-                <a:ea typeface="Arial" pitchFamily="34" charset="-122"/>
-                <a:cs typeface="Arial" pitchFamily="34" charset="-120"/>
-              </a:rPr>
-              <a:t>Map to cylinder: xc = tan(x), yc = y·cos(x)</a:t>
-            </a:r>
-            <a:endParaRPr lang="en-US" sz="1350" dirty="0"/>
-          </a:p>
-          <a:p>
-            <a:pPr marL="342900" indent="-342900">
-              <a:lnSpc>
-                <a:spcPts val="2430"/>
-              </a:lnSpc>
-              <a:buSzPct val="100000"/>
-              <a:buChar char="•"/>
-            </a:pPr>
-            <a:r>
-              <a:rPr lang="en-US" sz="1350" dirty="0">
-                <a:solidFill>
-                  <a:srgbClr val="CBD5E1"/>
-                </a:solidFill>
-                <a:latin typeface="Arial" pitchFamily="34" charset="0"/>
-                <a:ea typeface="Arial" pitchFamily="34" charset="-122"/>
-                <a:cs typeface="Arial" pitchFamily="34" charset="-120"/>
-              </a:rPr>
-              <a:t>Project back to pixels</a:t>
-            </a:r>
-            <a:endParaRPr lang="en-US" sz="1350" dirty="0"/>
-          </a:p>
-        </p:txBody>
-      </p:sp>
-      <p:sp>
-        <p:nvSpPr>
-          <p:cNvPr id="6" name="Text 4"/>
-          <p:cNvSpPr/>
-          <p:nvPr/>
-        </p:nvSpPr>
-        <p:spPr>
-          <a:xfrm>
-            <a:off x="609575" y="3337966"/>
-            <a:ext cx="8083346" cy="239861"/>
-          </a:xfrm>
-          <a:prstGeom prst="rect">
-            <a:avLst/>
-          </a:prstGeom>
-          <a:noFill/>
-          <a:ln/>
-        </p:spPr>
-        <p:txBody>
-          <a:bodyPr wrap="square" lIns="0" tIns="0" rIns="0" bIns="0" rtlCol="0" anchor="t"/>
-          <a:lstStyle/>
-          <a:p>
-            <a:pPr marL="0" indent="0">
-              <a:lnSpc>
-                <a:spcPts val="1890"/>
-              </a:lnSpc>
-              <a:buNone/>
-            </a:pPr>
-            <a:r>
-              <a:rPr lang="en-US" sz="1350" dirty="0">
-                <a:solidFill>
-                  <a:srgbClr val="38BDF8"/>
-                </a:solidFill>
-                <a:latin typeface="Arial" pitchFamily="34" charset="0"/>
-                <a:ea typeface="Arial" pitchFamily="34" charset="-122"/>
-                <a:cs typeface="Arial" pitchFamily="34" charset="-120"/>
-              </a:rPr>
-              <a:t>Parameter f:</a:t>
-            </a:r>
-            <a:r>
-              <a:rPr lang="en-US" sz="1350" dirty="0">
-                <a:solidFill>
-                  <a:srgbClr val="CBD5E1"/>
-                </a:solidFill>
-                <a:latin typeface="Arial" pitchFamily="34" charset="0"/>
-                <a:ea typeface="Arial" pitchFamily="34" charset="-122"/>
-                <a:cs typeface="Arial" pitchFamily="34" charset="-120"/>
-              </a:rPr>
-              <a:t> Larger f = weaker distortion; smaller f = stronger correction</a:t>
-            </a:r>
-            <a:endParaRPr lang="en-US" sz="1350" dirty="0"/>
-          </a:p>
-        </p:txBody>
-      </p:sp>
+      <p:pic>
+        <p:nvPicPr>
+          <p:cNvPr id="9" name="Picture 8">
+            <a:extLst>
+              <a:ext uri="{FF2B5EF4-FFF2-40B4-BE49-F238E27FC236}">
+                <a16:creationId xmlns:a16="http://schemas.microsoft.com/office/drawing/2014/main" id="{73E672E5-6466-3275-C254-726E19F0F61A}"/>
+              </a:ext>
+            </a:extLst>
+          </p:cNvPr>
+          <p:cNvPicPr>
+            <a:picLocks noChangeAspect="1"/>
+          </p:cNvPicPr>
+          <p:nvPr/>
+        </p:nvPicPr>
+        <p:blipFill>
+          <a:blip r:embed="rId3"/>
+          <a:stretch>
+            <a:fillRect/>
+          </a:stretch>
+        </p:blipFill>
+        <p:spPr>
+          <a:xfrm>
+            <a:off x="609575" y="1879276"/>
+            <a:ext cx="8083346" cy="2146752"/>
+          </a:xfrm>
+          <a:prstGeom prst="rect">
+            <a:avLst/>
+          </a:prstGeom>
+        </p:spPr>
+      </p:pic>
     </p:spTree>
-  </p:cSld>
-  <p:clrMapOvr>
-    <a:masterClrMapping/>
-  </p:clrMapOvr>
-</p:sld>
-</file>
-
-<file path=ppt/slides/slide8.xml><?xml version="1.0" encoding="utf-8"?>
-<p:sld xmlns:a="http://schemas.openxmlformats.org/drawingml/2006/main" xmlns:r="http://schemas.openxmlformats.org/officeDocument/2006/relationships" xmlns:p="http://schemas.openxmlformats.org/presentationml/2006/main">
-  <p:cSld name="Slide 8">
-    <p:bg>
-      <p:bgPr>
-        <a:solidFill>
-          <a:srgbClr val="0F172A"/>
-        </a:solidFill>
-        <a:effectLst/>
-      </p:bgPr>
-    </p:bg>
-    <p:spTree>
-      <p:nvGrpSpPr>
-        <p:cNvPr id="1" name=""/>
-        <p:cNvGrpSpPr/>
-        <p:nvPr/>
-      </p:nvGrpSpPr>
-      <p:grpSpPr>
-        <a:xfrm>
-          <a:off x="0" y="0"/>
-          <a:ext cx="0" cy="0"/>
-          <a:chOff x="0" y="0"/>
-          <a:chExt cx="0" cy="0"/>
-        </a:xfrm>
-      </p:grpSpPr>
-      <p:sp>
-        <p:nvSpPr>
-          <p:cNvPr id="2" name="Text 0"/>
-          <p:cNvSpPr/>
-          <p:nvPr/>
-        </p:nvSpPr>
-        <p:spPr>
-          <a:xfrm>
-            <a:off x="609575" y="609574"/>
-            <a:ext cx="8083346" cy="411510"/>
-          </a:xfrm>
-          <a:prstGeom prst="rect">
-            <a:avLst/>
-          </a:prstGeom>
-          <a:noFill/>
-          <a:ln/>
-        </p:spPr>
-        <p:txBody>
-          <a:bodyPr wrap="square" lIns="0" tIns="0" rIns="0" bIns="0" rtlCol="0" anchor="t"/>
-          <a:lstStyle/>
-          <a:p>
-            <a:pPr marL="0" indent="0">
-              <a:lnSpc>
-                <a:spcPts val="3240"/>
-              </a:lnSpc>
-              <a:buNone/>
-            </a:pPr>
-            <a:r>
-              <a:rPr lang="en-US" sz="2700" b="1" dirty="0">
-                <a:solidFill>
-                  <a:srgbClr val="38BDF8"/>
-                </a:solidFill>
-                <a:latin typeface="Arial" pitchFamily="34" charset="0"/>
-                <a:ea typeface="Arial" pitchFamily="34" charset="-122"/>
-                <a:cs typeface="Arial" pitchFamily="34" charset="-120"/>
-              </a:rPr>
-              <a:t>Blending &amp; Seam Reduction</a:t>
-            </a:r>
-            <a:endParaRPr lang="en-US" sz="2700" dirty="0"/>
-          </a:p>
-        </p:txBody>
-      </p:sp>
-      <p:sp>
-        <p:nvSpPr>
-          <p:cNvPr id="3" name="Text 1"/>
-          <p:cNvSpPr/>
-          <p:nvPr/>
-        </p:nvSpPr>
-        <p:spPr>
-          <a:xfrm>
-            <a:off x="609575" y="1173384"/>
-            <a:ext cx="8083346" cy="239861"/>
-          </a:xfrm>
-          <a:prstGeom prst="rect">
-            <a:avLst/>
-          </a:prstGeom>
-          <a:noFill/>
-          <a:ln/>
-        </p:spPr>
-        <p:txBody>
-          <a:bodyPr wrap="square" lIns="0" tIns="0" rIns="0" bIns="0" rtlCol="0" anchor="t"/>
-          <a:lstStyle/>
-          <a:p>
-            <a:pPr marL="0" indent="0">
-              <a:lnSpc>
-                <a:spcPts val="1890"/>
-              </a:lnSpc>
-              <a:buNone/>
-            </a:pPr>
-            <a:r>
-              <a:rPr lang="en-US" sz="1350" dirty="0">
-                <a:solidFill>
-                  <a:srgbClr val="CBD5E1"/>
-                </a:solidFill>
-                <a:latin typeface="Arial" pitchFamily="34" charset="0"/>
-                <a:ea typeface="Arial" pitchFamily="34" charset="-122"/>
-                <a:cs typeface="Arial" pitchFamily="34" charset="-120"/>
-              </a:rPr>
-              <a:t>Direct pasting creates visible seams. Solution: feather blending</a:t>
-            </a:r>
-            <a:endParaRPr lang="en-US" sz="1350" dirty="0"/>
-          </a:p>
-        </p:txBody>
-      </p:sp>
-      <p:sp>
-        <p:nvSpPr>
-          <p:cNvPr id="4" name="Text 2"/>
-          <p:cNvSpPr/>
-          <p:nvPr/>
-        </p:nvSpPr>
-        <p:spPr>
-          <a:xfrm>
-            <a:off x="609575" y="1641821"/>
-            <a:ext cx="8083346" cy="237629"/>
-          </a:xfrm>
-          <a:prstGeom prst="rect">
-            <a:avLst/>
-          </a:prstGeom>
-          <a:noFill/>
-          <a:ln/>
-        </p:spPr>
-        <p:txBody>
-          <a:bodyPr wrap="square" lIns="0" tIns="0" rIns="0" bIns="0" rtlCol="0" anchor="t"/>
-          <a:lstStyle/>
-          <a:p>
-            <a:pPr marL="0" indent="0">
-              <a:lnSpc>
-                <a:spcPts val="1872"/>
-              </a:lnSpc>
-              <a:buNone/>
-            </a:pPr>
-            <a:r>
-              <a:rPr lang="en-US" sz="1560" b="1" dirty="0">
-                <a:solidFill>
-                  <a:srgbClr val="38BDF8"/>
-                </a:solidFill>
-                <a:latin typeface="Arial" pitchFamily="34" charset="0"/>
-                <a:ea typeface="Arial" pitchFamily="34" charset="-122"/>
-                <a:cs typeface="Arial" pitchFamily="34" charset="-120"/>
-              </a:rPr>
-              <a:t>Feather Blending Formula</a:t>
-            </a:r>
-            <a:endParaRPr lang="en-US" sz="1560" dirty="0"/>
-          </a:p>
-        </p:txBody>
-      </p:sp>
-      <p:sp>
-        <p:nvSpPr>
-          <p:cNvPr id="5" name="Text 3"/>
-          <p:cNvSpPr/>
-          <p:nvPr/>
-        </p:nvSpPr>
-        <p:spPr>
-          <a:xfrm>
-            <a:off x="609575" y="2001366"/>
-            <a:ext cx="7924849" cy="544463"/>
-          </a:xfrm>
-          <a:prstGeom prst="rect">
-            <a:avLst/>
-          </a:prstGeom>
-          <a:noFill/>
-          <a:ln/>
-        </p:spPr>
-        <p:txBody>
-          <a:bodyPr wrap="square" lIns="0" tIns="0" rIns="0" bIns="0" rtlCol="0" anchor="t"/>
-          <a:lstStyle/>
-          <a:p>
-            <a:pPr marL="0" indent="0">
-              <a:lnSpc>
-                <a:spcPts val="1890"/>
-              </a:lnSpc>
-              <a:buNone/>
-            </a:pPr>
-            <a:r>
-              <a:rPr lang="en-US" sz="1350" dirty="0">
-                <a:solidFill>
-                  <a:srgbClr val="CBD5E1"/>
-                </a:solidFill>
-                <a:latin typeface="monospace" pitchFamily="34" charset="0"/>
-                <a:ea typeface="monospace" pitchFamily="34" charset="-122"/>
-                <a:cs typeface="monospace" pitchFamily="34" charset="-120"/>
-              </a:rPr>
-              <a:t>I(x,y) = α(x,y)·I₂(x,y) + (1−α(x,y))·I₁(x,y)</a:t>
-            </a:r>
-            <a:endParaRPr lang="en-US" sz="1350" dirty="0"/>
-          </a:p>
-        </p:txBody>
-      </p:sp>
-      <p:sp>
-        <p:nvSpPr>
-          <p:cNvPr id="6" name="Text 4"/>
-          <p:cNvSpPr/>
-          <p:nvPr/>
-        </p:nvSpPr>
-        <p:spPr>
-          <a:xfrm>
-            <a:off x="609575" y="2698128"/>
-            <a:ext cx="8083346" cy="239861"/>
-          </a:xfrm>
-          <a:prstGeom prst="rect">
-            <a:avLst/>
-          </a:prstGeom>
-          <a:noFill/>
-          <a:ln/>
-        </p:spPr>
-        <p:txBody>
-          <a:bodyPr wrap="square" lIns="0" tIns="0" rIns="0" bIns="0" rtlCol="0" anchor="t"/>
-          <a:lstStyle/>
-          <a:p>
-            <a:pPr marL="0" indent="0">
-              <a:lnSpc>
-                <a:spcPts val="1890"/>
-              </a:lnSpc>
-              <a:buNone/>
-            </a:pPr>
-            <a:r>
-              <a:rPr lang="en-US" sz="1350" dirty="0">
-                <a:solidFill>
-                  <a:srgbClr val="CBD5E1"/>
-                </a:solidFill>
-                <a:latin typeface="Arial" pitchFamily="34" charset="0"/>
-                <a:ea typeface="Arial" pitchFamily="34" charset="-122"/>
-                <a:cs typeface="Arial" pitchFamily="34" charset="-120"/>
-              </a:rPr>
-              <a:t>α derived using distance transform for smooth weight transitions</a:t>
-            </a:r>
-            <a:endParaRPr lang="en-US" sz="1350" dirty="0"/>
-          </a:p>
-        </p:txBody>
-      </p:sp>
-    </p:spTree>
-  </p:cSld>
-  <p:clrMapOvr>
-    <a:masterClrMapping/>
-  </p:clrMapOvr>
-</p:sld>
-</file>
-
-<file path=ppt/slides/slide9.xml><?xml version="1.0" encoding="utf-8"?>
-<p:sld xmlns:a="http://schemas.openxmlformats.org/drawingml/2006/main" xmlns:r="http://schemas.openxmlformats.org/officeDocument/2006/relationships" xmlns:p="http://schemas.openxmlformats.org/presentationml/2006/main">
-  <p:cSld name="Slide 9">
-    <p:bg>
-      <p:bgPr>
-        <a:solidFill>
-          <a:srgbClr val="0F172A"/>
-        </a:solidFill>
-        <a:effectLst/>
-      </p:bgPr>
-    </p:bg>
-    <p:spTree>
-      <p:nvGrpSpPr>
-        <p:cNvPr id="1" name=""/>
-        <p:cNvGrpSpPr/>
-        <p:nvPr/>
-      </p:nvGrpSpPr>
-      <p:grpSpPr>
-        <a:xfrm>
-          <a:off x="0" y="0"/>
-          <a:ext cx="0" cy="0"/>
-          <a:chOff x="0" y="0"/>
-          <a:chExt cx="0" cy="0"/>
-        </a:xfrm>
-      </p:grpSpPr>
-      <p:sp>
-        <p:nvSpPr>
-          <p:cNvPr id="2" name="Text 0"/>
-          <p:cNvSpPr/>
-          <p:nvPr/>
-        </p:nvSpPr>
-        <p:spPr>
-          <a:xfrm>
-            <a:off x="609575" y="609572"/>
-            <a:ext cx="8083346" cy="411510"/>
-          </a:xfrm>
-          <a:prstGeom prst="rect">
-            <a:avLst/>
-          </a:prstGeom>
-          <a:noFill/>
-          <a:ln/>
-        </p:spPr>
-        <p:txBody>
-          <a:bodyPr wrap="square" lIns="0" tIns="0" rIns="0" bIns="0" rtlCol="0" anchor="t"/>
-          <a:lstStyle/>
-          <a:p>
-            <a:pPr marL="0" indent="0">
-              <a:lnSpc>
-                <a:spcPts val="3240"/>
-              </a:lnSpc>
-              <a:buNone/>
-            </a:pPr>
-            <a:r>
-              <a:rPr lang="en-US" sz="2700" b="1" dirty="0">
-                <a:solidFill>
-                  <a:srgbClr val="38BDF8"/>
-                </a:solidFill>
-                <a:latin typeface="Arial" pitchFamily="34" charset="0"/>
-                <a:ea typeface="Arial" pitchFamily="34" charset="-122"/>
-                <a:cs typeface="Arial" pitchFamily="34" charset="-120"/>
-              </a:rPr>
-              <a:t>Challenges &amp; Solutions</a:t>
-            </a:r>
-            <a:endParaRPr lang="en-US" sz="2700" dirty="0"/>
-          </a:p>
-        </p:txBody>
-      </p:sp>
-      <p:sp>
-        <p:nvSpPr>
-          <p:cNvPr id="3" name="Text 1"/>
-          <p:cNvSpPr/>
-          <p:nvPr/>
-        </p:nvSpPr>
-        <p:spPr>
-          <a:xfrm>
-            <a:off x="609575" y="1173384"/>
-            <a:ext cx="8083346" cy="237629"/>
-          </a:xfrm>
-          <a:prstGeom prst="rect">
-            <a:avLst/>
-          </a:prstGeom>
-          <a:noFill/>
-          <a:ln/>
-        </p:spPr>
-        <p:txBody>
-          <a:bodyPr wrap="square" lIns="0" tIns="0" rIns="0" bIns="0" rtlCol="0" anchor="t"/>
-          <a:lstStyle/>
-          <a:p>
-            <a:pPr marL="0" indent="0">
-              <a:lnSpc>
-                <a:spcPts val="1872"/>
-              </a:lnSpc>
-              <a:buNone/>
-            </a:pPr>
-            <a:r>
-              <a:rPr lang="en-US" sz="1560" b="1" dirty="0">
-                <a:solidFill>
-                  <a:srgbClr val="38BDF8"/>
-                </a:solidFill>
-                <a:latin typeface="Arial" pitchFamily="34" charset="0"/>
-                <a:ea typeface="Arial" pitchFamily="34" charset="-122"/>
-                <a:cs typeface="Arial" pitchFamily="34" charset="-120"/>
-              </a:rPr>
-              <a:t>Homography Sanity Checks</a:t>
-            </a:r>
-            <a:endParaRPr lang="en-US" sz="1560" dirty="0"/>
-          </a:p>
-        </p:txBody>
-      </p:sp>
-      <p:sp>
-        <p:nvSpPr>
-          <p:cNvPr id="4" name="Text 2"/>
-          <p:cNvSpPr/>
-          <p:nvPr/>
-        </p:nvSpPr>
-        <p:spPr>
-          <a:xfrm>
-            <a:off x="914301" y="1532930"/>
-            <a:ext cx="7620124" cy="1153790"/>
-          </a:xfrm>
-          <a:prstGeom prst="rect">
-            <a:avLst/>
-          </a:prstGeom>
-          <a:noFill/>
-          <a:ln/>
-        </p:spPr>
-        <p:txBody>
-          <a:bodyPr wrap="square" lIns="0" tIns="0" rIns="0" bIns="0" rtlCol="0" anchor="t"/>
-          <a:lstStyle/>
-          <a:p>
-            <a:pPr marL="342900" indent="-342900">
-              <a:lnSpc>
-                <a:spcPts val="2430"/>
-              </a:lnSpc>
-              <a:buSzPct val="100000"/>
-              <a:buChar char="•"/>
-            </a:pPr>
-            <a:r>
-              <a:rPr lang="en-US" sz="1350" dirty="0">
-                <a:solidFill>
-                  <a:srgbClr val="CBD5E1"/>
-                </a:solidFill>
-                <a:latin typeface="Arial" pitchFamily="34" charset="0"/>
-                <a:ea typeface="Arial" pitchFamily="34" charset="-122"/>
-                <a:cs typeface="Arial" pitchFamily="34" charset="-120"/>
-              </a:rPr>
-              <a:t>Reject extreme perspective (|H₃₁| or |H₃₂| too large)</a:t>
-            </a:r>
-            <a:endParaRPr lang="en-US" sz="1350" dirty="0"/>
-          </a:p>
-          <a:p>
-            <a:pPr marL="342900" indent="-342900">
-              <a:lnSpc>
-                <a:spcPts val="2430"/>
-              </a:lnSpc>
-              <a:buSzPct val="100000"/>
-              <a:buChar char="•"/>
-            </a:pPr>
-            <a:r>
-              <a:rPr lang="en-US" sz="1350" dirty="0">
-                <a:solidFill>
-                  <a:srgbClr val="CBD5E1"/>
-                </a:solidFill>
-                <a:latin typeface="Arial" pitchFamily="34" charset="0"/>
-                <a:ea typeface="Arial" pitchFamily="34" charset="-122"/>
-                <a:cs typeface="Arial" pitchFamily="34" charset="-120"/>
-              </a:rPr>
-              <a:t>Prevent oversized canvas allocations</a:t>
-            </a:r>
-            <a:endParaRPr lang="en-US" sz="1350" dirty="0"/>
-          </a:p>
-          <a:p>
-            <a:pPr marL="342900" indent="-342900">
-              <a:lnSpc>
-                <a:spcPts val="2430"/>
-              </a:lnSpc>
-              <a:buSzPct val="100000"/>
-              <a:buChar char="•"/>
-            </a:pPr>
-            <a:r>
-              <a:rPr lang="en-US" sz="1350" dirty="0">
-                <a:solidFill>
-                  <a:srgbClr val="CBD5E1"/>
-                </a:solidFill>
-                <a:latin typeface="Arial" pitchFamily="34" charset="0"/>
-                <a:ea typeface="Arial" pitchFamily="34" charset="-122"/>
-                <a:cs typeface="Arial" pitchFamily="34" charset="-120"/>
-              </a:rPr>
-              <a:t>Avoid black wedge artifacts</a:t>
-            </a:r>
-            <a:endParaRPr lang="en-US" sz="1350" dirty="0"/>
-          </a:p>
-        </p:txBody>
-      </p:sp>
-      <p:sp>
-        <p:nvSpPr>
-          <p:cNvPr id="5" name="Text 3"/>
-          <p:cNvSpPr/>
-          <p:nvPr/>
-        </p:nvSpPr>
-        <p:spPr>
-          <a:xfrm>
-            <a:off x="609575" y="2869527"/>
-            <a:ext cx="8083346" cy="237629"/>
-          </a:xfrm>
-          <a:prstGeom prst="rect">
-            <a:avLst/>
-          </a:prstGeom>
-          <a:noFill/>
-          <a:ln/>
-        </p:spPr>
-        <p:txBody>
-          <a:bodyPr wrap="square" lIns="0" tIns="0" rIns="0" bIns="0" rtlCol="0" anchor="t"/>
-          <a:lstStyle/>
-          <a:p>
-            <a:pPr marL="0" indent="0">
-              <a:lnSpc>
-                <a:spcPts val="1872"/>
-              </a:lnSpc>
-              <a:buNone/>
-            </a:pPr>
-            <a:r>
-              <a:rPr lang="en-US" sz="1560" b="1" dirty="0">
-                <a:solidFill>
-                  <a:srgbClr val="38BDF8"/>
-                </a:solidFill>
-                <a:latin typeface="Arial" pitchFamily="34" charset="0"/>
-                <a:ea typeface="Arial" pitchFamily="34" charset="-122"/>
-                <a:cs typeface="Arial" pitchFamily="34" charset="-120"/>
-              </a:rPr>
-              <a:t>Affine Fallback</a:t>
-            </a:r>
-            <a:endParaRPr lang="en-US" sz="1560" dirty="0"/>
-          </a:p>
-        </p:txBody>
-      </p:sp>
-      <p:sp>
-        <p:nvSpPr>
-          <p:cNvPr id="6" name="Text 4"/>
-          <p:cNvSpPr/>
-          <p:nvPr/>
-        </p:nvSpPr>
-        <p:spPr>
-          <a:xfrm>
-            <a:off x="609575" y="3229073"/>
-            <a:ext cx="8083346" cy="239861"/>
-          </a:xfrm>
-          <a:prstGeom prst="rect">
-            <a:avLst/>
-          </a:prstGeom>
-          <a:noFill/>
-          <a:ln/>
-        </p:spPr>
-        <p:txBody>
-          <a:bodyPr wrap="square" lIns="0" tIns="0" rIns="0" bIns="0" rtlCol="0" anchor="t"/>
-          <a:lstStyle/>
-          <a:p>
-            <a:pPr marL="0" indent="0">
-              <a:lnSpc>
-                <a:spcPts val="1890"/>
-              </a:lnSpc>
-              <a:buNone/>
-            </a:pPr>
-            <a:r>
-              <a:rPr lang="en-US" sz="1350" dirty="0">
-                <a:solidFill>
-                  <a:srgbClr val="CBD5E1"/>
-                </a:solidFill>
-                <a:latin typeface="Arial" pitchFamily="34" charset="0"/>
-                <a:ea typeface="Arial" pitchFamily="34" charset="-122"/>
-                <a:cs typeface="Arial" pitchFamily="34" charset="-120"/>
-              </a:rPr>
-              <a:t>When homography fails, use partial affine (rotation + scale + translation)</a:t>
-            </a:r>
-            <a:endParaRPr lang="en-US" sz="1350" dirty="0"/>
-          </a:p>
-        </p:txBody>
-      </p:sp>
-    </p:spTree>
+    <p:extLst>
+      <p:ext uri="{BB962C8B-B14F-4D97-AF65-F5344CB8AC3E}">
+        <p14:creationId xmlns:p14="http://schemas.microsoft.com/office/powerpoint/2010/main" val="4005634425"/>
+      </p:ext>
+    </p:extLst>
   </p:cSld>
   <p:clrMapOvr>
     <a:masterClrMapping/>
